--- a/Documentation/Cahier technique/AMAsafeguard.pptx
+++ b/Documentation/Cahier technique/AMAsafeguard.pptx
@@ -6458,23 +6458,23 @@
     </dgm:pt>
   </dgm:ptLst>
   <dgm:cxnLst>
+    <dgm:cxn modelId="{950844B5-875C-471D-844E-6B6AA0C6257D}" type="presOf" srcId="{70FEEDF0-9ED0-4D7F-AB97-F24DEA096723}" destId="{EF076E76-9785-4254-A443-120608B91CC3}" srcOrd="0" destOrd="0" presId="urn:microsoft.com/office/officeart/2009/layout/CircleArrowProcess"/>
+    <dgm:cxn modelId="{EB480843-8B0D-421D-BAC7-52F0F7D2B063}" type="presOf" srcId="{3C663207-A7D7-4757-B99B-F93968DE8A40}" destId="{978EDD41-F20E-4495-B42E-BC8B2A809577}" srcOrd="0" destOrd="0" presId="urn:microsoft.com/office/officeart/2009/layout/CircleArrowProcess"/>
+    <dgm:cxn modelId="{CC540599-75D6-4F40-A99A-82D0F685BEC5}" type="presOf" srcId="{902514D4-9367-48BD-AB98-415C361E8095}" destId="{DA2E4B91-C523-4C3D-A850-B30308726875}" srcOrd="0" destOrd="0" presId="urn:microsoft.com/office/officeart/2009/layout/CircleArrowProcess"/>
+    <dgm:cxn modelId="{EC73D28B-E1B0-4A21-84D6-9486C56E714D}" srcId="{9EFDE1E0-36B2-42FD-8BC1-DEC0FAC5CDC6}" destId="{902514D4-9367-48BD-AB98-415C361E8095}" srcOrd="2" destOrd="0" parTransId="{8583B2DE-149D-4FA0-B8A4-627F65C95D74}" sibTransId="{E602F495-06AD-4078-A149-C6C8558402F7}"/>
+    <dgm:cxn modelId="{B1197793-417F-4EA8-A77C-2AF1912A4DD0}" type="presOf" srcId="{63B15A74-16C3-4DD4-9BA5-FA588AC919D7}" destId="{BEDA0C24-49D9-4559-958B-53A3980AE2A3}" srcOrd="0" destOrd="0" presId="urn:microsoft.com/office/officeart/2009/layout/CircleArrowProcess"/>
+    <dgm:cxn modelId="{C3AFB06D-F556-43A2-887D-8CC795BF4273}" type="presOf" srcId="{AE330B41-BDB2-4BE6-A581-574AB4520EB3}" destId="{02D95704-8AB4-45FD-87C8-6D0F6EEC4FB1}" srcOrd="0" destOrd="1" presId="urn:microsoft.com/office/officeart/2009/layout/CircleArrowProcess"/>
+    <dgm:cxn modelId="{3064ED05-7C34-49F7-BF9D-60BA36B6C51D}" type="presOf" srcId="{9EFDE1E0-36B2-42FD-8BC1-DEC0FAC5CDC6}" destId="{0746AFD6-81AF-4A03-965B-E5FD2AC99902}" srcOrd="0" destOrd="0" presId="urn:microsoft.com/office/officeart/2009/layout/CircleArrowProcess"/>
+    <dgm:cxn modelId="{1414EF6C-7A4A-4703-A151-E58B75CB79FC}" srcId="{70FEEDF0-9ED0-4D7F-AB97-F24DEA096723}" destId="{78E8FF4D-B36D-45D8-90DA-AD7C222C0298}" srcOrd="0" destOrd="0" parTransId="{3DA3DDEF-E34C-49FA-A279-3C879057971A}" sibTransId="{B6A37FBB-985F-49C6-AD80-C88E598D1ADD}"/>
+    <dgm:cxn modelId="{E692E266-525C-4F17-9C71-29CDFDC54C1F}" srcId="{3C663207-A7D7-4757-B99B-F93968DE8A40}" destId="{E964D919-A45A-4D39-8BAC-78E73FC63BC9}" srcOrd="1" destOrd="0" parTransId="{6866642B-937E-470E-ADB0-9D6A3B46A81D}" sibTransId="{69436BB9-04EC-4276-AAC9-B071AFF7FBDF}"/>
+    <dgm:cxn modelId="{FB9EE0DA-4BC2-4146-A904-BBF88EA04129}" srcId="{902514D4-9367-48BD-AB98-415C361E8095}" destId="{897BB790-14FF-42E3-A17F-33E45F887AE5}" srcOrd="0" destOrd="0" parTransId="{ACD3F419-97A4-4CD8-8898-625596384866}" sibTransId="{3DB2A396-3297-48D7-A79C-D835D5A600CC}"/>
+    <dgm:cxn modelId="{07A1F53C-6F4E-4AD2-B406-1F6EC4FF3432}" srcId="{9EFDE1E0-36B2-42FD-8BC1-DEC0FAC5CDC6}" destId="{3C663207-A7D7-4757-B99B-F93968DE8A40}" srcOrd="0" destOrd="0" parTransId="{2E727480-F124-4C8A-9200-60575118A4CF}" sibTransId="{913D7F7E-5922-44E8-AF48-A56184564F7B}"/>
+    <dgm:cxn modelId="{CCE46EEE-1B07-4B34-9B81-09ABD6E49113}" srcId="{70FEEDF0-9ED0-4D7F-AB97-F24DEA096723}" destId="{AE330B41-BDB2-4BE6-A581-574AB4520EB3}" srcOrd="1" destOrd="0" parTransId="{42D4D05F-1763-4A42-854E-1364A314188A}" sibTransId="{D844FC0B-5792-4962-960B-3097428CF176}"/>
+    <dgm:cxn modelId="{BCD59045-45F8-4BE0-868F-61CB3AA12A7A}" type="presOf" srcId="{78E8FF4D-B36D-45D8-90DA-AD7C222C0298}" destId="{02D95704-8AB4-45FD-87C8-6D0F6EEC4FB1}" srcOrd="0" destOrd="0" presId="urn:microsoft.com/office/officeart/2009/layout/CircleArrowProcess"/>
     <dgm:cxn modelId="{AA818F84-DD66-4E26-9DCA-1724E223ED3B}" srcId="{3C663207-A7D7-4757-B99B-F93968DE8A40}" destId="{63B15A74-16C3-4DD4-9BA5-FA588AC919D7}" srcOrd="0" destOrd="0" parTransId="{102971D7-1523-46B0-A4BC-3307C4BF411D}" sibTransId="{9C41E5C4-122C-4220-B43B-68738042223A}"/>
-    <dgm:cxn modelId="{EC73D28B-E1B0-4A21-84D6-9486C56E714D}" srcId="{9EFDE1E0-36B2-42FD-8BC1-DEC0FAC5CDC6}" destId="{902514D4-9367-48BD-AB98-415C361E8095}" srcOrd="2" destOrd="0" parTransId="{8583B2DE-149D-4FA0-B8A4-627F65C95D74}" sibTransId="{E602F495-06AD-4078-A149-C6C8558402F7}"/>
+    <dgm:cxn modelId="{4817BA49-2D99-4176-8DBE-7B572B62E3B1}" type="presOf" srcId="{897BB790-14FF-42E3-A17F-33E45F887AE5}" destId="{4D5C1DBF-52B1-4FF1-BA52-933F638093BF}" srcOrd="0" destOrd="0" presId="urn:microsoft.com/office/officeart/2009/layout/CircleArrowProcess"/>
+    <dgm:cxn modelId="{E3C0C162-8B0A-42F6-B599-F25827DF5AB0}" type="presOf" srcId="{E964D919-A45A-4D39-8BAC-78E73FC63BC9}" destId="{BEDA0C24-49D9-4559-958B-53A3980AE2A3}" srcOrd="0" destOrd="1" presId="urn:microsoft.com/office/officeart/2009/layout/CircleArrowProcess"/>
     <dgm:cxn modelId="{26755254-41E9-4B8D-9575-AED9C008015C}" srcId="{9EFDE1E0-36B2-42FD-8BC1-DEC0FAC5CDC6}" destId="{70FEEDF0-9ED0-4D7F-AB97-F24DEA096723}" srcOrd="1" destOrd="0" parTransId="{6A0DD80F-58E3-4F5A-8C14-0C7F080FC469}" sibTransId="{5AEE57B6-452E-4D6B-9FEC-128B713CC6B5}"/>
-    <dgm:cxn modelId="{FB9EE0DA-4BC2-4146-A904-BBF88EA04129}" srcId="{902514D4-9367-48BD-AB98-415C361E8095}" destId="{897BB790-14FF-42E3-A17F-33E45F887AE5}" srcOrd="0" destOrd="0" parTransId="{ACD3F419-97A4-4CD8-8898-625596384866}" sibTransId="{3DB2A396-3297-48D7-A79C-D835D5A600CC}"/>
-    <dgm:cxn modelId="{CCE46EEE-1B07-4B34-9B81-09ABD6E49113}" srcId="{70FEEDF0-9ED0-4D7F-AB97-F24DEA096723}" destId="{AE330B41-BDB2-4BE6-A581-574AB4520EB3}" srcOrd="1" destOrd="0" parTransId="{42D4D05F-1763-4A42-854E-1364A314188A}" sibTransId="{D844FC0B-5792-4962-960B-3097428CF176}"/>
-    <dgm:cxn modelId="{E3C0C162-8B0A-42F6-B599-F25827DF5AB0}" type="presOf" srcId="{E964D919-A45A-4D39-8BAC-78E73FC63BC9}" destId="{BEDA0C24-49D9-4559-958B-53A3980AE2A3}" srcOrd="0" destOrd="1" presId="urn:microsoft.com/office/officeart/2009/layout/CircleArrowProcess"/>
-    <dgm:cxn modelId="{4817BA49-2D99-4176-8DBE-7B572B62E3B1}" type="presOf" srcId="{897BB790-14FF-42E3-A17F-33E45F887AE5}" destId="{4D5C1DBF-52B1-4FF1-BA52-933F638093BF}" srcOrd="0" destOrd="0" presId="urn:microsoft.com/office/officeart/2009/layout/CircleArrowProcess"/>
-    <dgm:cxn modelId="{CC540599-75D6-4F40-A99A-82D0F685BEC5}" type="presOf" srcId="{902514D4-9367-48BD-AB98-415C361E8095}" destId="{DA2E4B91-C523-4C3D-A850-B30308726875}" srcOrd="0" destOrd="0" presId="urn:microsoft.com/office/officeart/2009/layout/CircleArrowProcess"/>
-    <dgm:cxn modelId="{E692E266-525C-4F17-9C71-29CDFDC54C1F}" srcId="{3C663207-A7D7-4757-B99B-F93968DE8A40}" destId="{E964D919-A45A-4D39-8BAC-78E73FC63BC9}" srcOrd="1" destOrd="0" parTransId="{6866642B-937E-470E-ADB0-9D6A3B46A81D}" sibTransId="{69436BB9-04EC-4276-AAC9-B071AFF7FBDF}"/>
-    <dgm:cxn modelId="{C3AFB06D-F556-43A2-887D-8CC795BF4273}" type="presOf" srcId="{AE330B41-BDB2-4BE6-A581-574AB4520EB3}" destId="{02D95704-8AB4-45FD-87C8-6D0F6EEC4FB1}" srcOrd="0" destOrd="1" presId="urn:microsoft.com/office/officeart/2009/layout/CircleArrowProcess"/>
-    <dgm:cxn modelId="{1414EF6C-7A4A-4703-A151-E58B75CB79FC}" srcId="{70FEEDF0-9ED0-4D7F-AB97-F24DEA096723}" destId="{78E8FF4D-B36D-45D8-90DA-AD7C222C0298}" srcOrd="0" destOrd="0" parTransId="{3DA3DDEF-E34C-49FA-A279-3C879057971A}" sibTransId="{B6A37FBB-985F-49C6-AD80-C88E598D1ADD}"/>
-    <dgm:cxn modelId="{3064ED05-7C34-49F7-BF9D-60BA36B6C51D}" type="presOf" srcId="{9EFDE1E0-36B2-42FD-8BC1-DEC0FAC5CDC6}" destId="{0746AFD6-81AF-4A03-965B-E5FD2AC99902}" srcOrd="0" destOrd="0" presId="urn:microsoft.com/office/officeart/2009/layout/CircleArrowProcess"/>
-    <dgm:cxn modelId="{07A1F53C-6F4E-4AD2-B406-1F6EC4FF3432}" srcId="{9EFDE1E0-36B2-42FD-8BC1-DEC0FAC5CDC6}" destId="{3C663207-A7D7-4757-B99B-F93968DE8A40}" srcOrd="0" destOrd="0" parTransId="{2E727480-F124-4C8A-9200-60575118A4CF}" sibTransId="{913D7F7E-5922-44E8-AF48-A56184564F7B}"/>
-    <dgm:cxn modelId="{950844B5-875C-471D-844E-6B6AA0C6257D}" type="presOf" srcId="{70FEEDF0-9ED0-4D7F-AB97-F24DEA096723}" destId="{EF076E76-9785-4254-A443-120608B91CC3}" srcOrd="0" destOrd="0" presId="urn:microsoft.com/office/officeart/2009/layout/CircleArrowProcess"/>
-    <dgm:cxn modelId="{B1197793-417F-4EA8-A77C-2AF1912A4DD0}" type="presOf" srcId="{63B15A74-16C3-4DD4-9BA5-FA588AC919D7}" destId="{BEDA0C24-49D9-4559-958B-53A3980AE2A3}" srcOrd="0" destOrd="0" presId="urn:microsoft.com/office/officeart/2009/layout/CircleArrowProcess"/>
-    <dgm:cxn modelId="{BCD59045-45F8-4BE0-868F-61CB3AA12A7A}" type="presOf" srcId="{78E8FF4D-B36D-45D8-90DA-AD7C222C0298}" destId="{02D95704-8AB4-45FD-87C8-6D0F6EEC4FB1}" srcOrd="0" destOrd="0" presId="urn:microsoft.com/office/officeart/2009/layout/CircleArrowProcess"/>
-    <dgm:cxn modelId="{EB480843-8B0D-421D-BAC7-52F0F7D2B063}" type="presOf" srcId="{3C663207-A7D7-4757-B99B-F93968DE8A40}" destId="{978EDD41-F20E-4495-B42E-BC8B2A809577}" srcOrd="0" destOrd="0" presId="urn:microsoft.com/office/officeart/2009/layout/CircleArrowProcess"/>
     <dgm:cxn modelId="{4C472CBA-A9D5-4590-8C8B-363DFD04CD27}" type="presParOf" srcId="{0746AFD6-81AF-4A03-965B-E5FD2AC99902}" destId="{A53515BC-C113-493A-BDEB-AF237788D9C5}" srcOrd="0" destOrd="0" presId="urn:microsoft.com/office/officeart/2009/layout/CircleArrowProcess"/>
     <dgm:cxn modelId="{B43C2359-327F-4F0F-AB8C-A585115A1AC7}" type="presParOf" srcId="{A53515BC-C113-493A-BDEB-AF237788D9C5}" destId="{89F8D4CB-123D-4BCE-9445-5C70C83AC832}" srcOrd="0" destOrd="0" presId="urn:microsoft.com/office/officeart/2009/layout/CircleArrowProcess"/>
     <dgm:cxn modelId="{0FC48CBC-7594-488B-9E39-F6878A010670}" type="presParOf" srcId="{0746AFD6-81AF-4A03-965B-E5FD2AC99902}" destId="{BEDA0C24-49D9-4559-958B-53A3980AE2A3}" srcOrd="1" destOrd="0" presId="urn:microsoft.com/office/officeart/2009/layout/CircleArrowProcess"/>
@@ -7242,9 +7242,10 @@
         <a:lstStyle/>
         <a:p>
           <a:r>
-            <a:rPr lang="fr-FR"/>
-            <a:t>Configuration</a:t>
+            <a:rPr lang="fr-FR" dirty="0" err="1"/>
+            <a:t>Conf</a:t>
           </a:r>
+          <a:endParaRPr lang="fr-FR" dirty="0"/>
         </a:p>
       </dgm:t>
     </dgm:pt>
@@ -7314,9 +7315,14 @@
         <a:lstStyle/>
         <a:p>
           <a:r>
-            <a:rPr lang="fr-FR"/>
-            <a:t>Fichier de configuraiton</a:t>
+            <a:rPr lang="fr-FR" dirty="0"/>
+            <a:t>Fichier de </a:t>
           </a:r>
+          <a:r>
+            <a:rPr lang="fr-FR" dirty="0" err="1"/>
+            <a:t>configuraiton</a:t>
+          </a:r>
+          <a:endParaRPr lang="fr-FR" dirty="0"/>
         </a:p>
       </dgm:t>
     </dgm:pt>
@@ -7485,7 +7491,7 @@
         <a:lstStyle/>
         <a:p>
           <a:r>
-            <a:rPr lang="fr-FR" sz="1100"/>
+            <a:rPr lang="fr-FR" sz="1000"/>
             <a:t>Lecture du fichier de configuration</a:t>
           </a:r>
         </a:p>
@@ -7521,7 +7527,7 @@
         <a:lstStyle/>
         <a:p>
           <a:r>
-            <a:rPr lang="fr-FR" sz="1100"/>
+            <a:rPr lang="fr-FR" sz="1000"/>
             <a:t>Lecture de la date de dernière mofication du fichier a envoyé</a:t>
           </a:r>
         </a:p>
@@ -7557,7 +7563,7 @@
         <a:lstStyle/>
         <a:p>
           <a:r>
-            <a:rPr lang="fr-FR" sz="1100"/>
+            <a:rPr lang="fr-FR" sz="1000"/>
             <a:t>Vérification de l'existance de ce fichier sur le serveur ftp</a:t>
           </a:r>
         </a:p>
@@ -7585,6 +7591,42 @@
         </a:p>
       </dgm:t>
     </dgm:pt>
+    <dgm:pt modelId="{E58A29D1-0E2F-441F-972F-1C19AC7917F7}">
+      <dgm:prSet phldrT="[Texte]" custT="1"/>
+      <dgm:spPr/>
+      <dgm:t>
+        <a:bodyPr/>
+        <a:lstStyle/>
+        <a:p>
+          <a:r>
+            <a:rPr lang="fr-FR" sz="1000"/>
+            <a:t>Stockage des fichiers dans un tableaux de fichiers</a:t>
+          </a:r>
+        </a:p>
+      </dgm:t>
+    </dgm:pt>
+    <dgm:pt modelId="{5A82425B-C5CB-49A4-8693-884797028CDE}" type="parTrans" cxnId="{C8DE7068-E64A-4482-A413-F0D94077C68F}">
+      <dgm:prSet/>
+      <dgm:spPr/>
+      <dgm:t>
+        <a:bodyPr/>
+        <a:lstStyle/>
+        <a:p>
+          <a:endParaRPr lang="fr-FR"/>
+        </a:p>
+      </dgm:t>
+    </dgm:pt>
+    <dgm:pt modelId="{553662FB-CE38-497D-A1F0-34012C3956E5}" type="sibTrans" cxnId="{C8DE7068-E64A-4482-A413-F0D94077C68F}">
+      <dgm:prSet/>
+      <dgm:spPr/>
+      <dgm:t>
+        <a:bodyPr/>
+        <a:lstStyle/>
+        <a:p>
+          <a:endParaRPr lang="fr-FR"/>
+        </a:p>
+      </dgm:t>
+    </dgm:pt>
     <dgm:pt modelId="{FEDD0F47-4BF4-4A09-8E17-25832D242D74}" type="pres">
       <dgm:prSet presAssocID="{964AF6F1-4B56-4B58-9C64-3DEE27E9C2FD}" presName="Name0" presStyleCnt="0">
         <dgm:presLayoutVars>
@@ -7596,7 +7638,7 @@
       <dgm:spPr/>
     </dgm:pt>
     <dgm:pt modelId="{FDF80718-29EA-43C8-BEE2-C47DF04ECB31}" type="pres">
-      <dgm:prSet presAssocID="{65AEEEF9-603A-424A-AE78-8A05B58C0482}" presName="parTxOnly" presStyleLbl="node1" presStyleIdx="0" presStyleCnt="3">
+      <dgm:prSet presAssocID="{65AEEEF9-603A-424A-AE78-8A05B58C0482}" presName="parTxOnly" presStyleLbl="node1" presStyleIdx="0" presStyleCnt="4">
         <dgm:presLayoutVars>
           <dgm:chMax val="0"/>
           <dgm:chPref val="0"/>
@@ -7609,8 +7651,22 @@
       <dgm:prSet presAssocID="{6B5D9F73-0D14-46A1-AE3B-A0BBCFE61925}" presName="parTxOnlySpace" presStyleCnt="0"/>
       <dgm:spPr/>
     </dgm:pt>
+    <dgm:pt modelId="{74FC2D23-AF53-42A6-940B-5F2C9B0ADC8E}" type="pres">
+      <dgm:prSet presAssocID="{E58A29D1-0E2F-441F-972F-1C19AC7917F7}" presName="parTxOnly" presStyleLbl="node1" presStyleIdx="1" presStyleCnt="4">
+        <dgm:presLayoutVars>
+          <dgm:chMax val="0"/>
+          <dgm:chPref val="0"/>
+          <dgm:bulletEnabled val="1"/>
+        </dgm:presLayoutVars>
+      </dgm:prSet>
+      <dgm:spPr/>
+    </dgm:pt>
+    <dgm:pt modelId="{AE7D3916-6E52-4CE8-A1BA-D45A95B8FE62}" type="pres">
+      <dgm:prSet presAssocID="{553662FB-CE38-497D-A1F0-34012C3956E5}" presName="parTxOnlySpace" presStyleCnt="0"/>
+      <dgm:spPr/>
+    </dgm:pt>
     <dgm:pt modelId="{7FC41A9D-CE28-474A-9A10-4A3652C56412}" type="pres">
-      <dgm:prSet presAssocID="{0E57A019-B189-4C09-94B9-04EEA8C12E67}" presName="parTxOnly" presStyleLbl="node1" presStyleIdx="1" presStyleCnt="3">
+      <dgm:prSet presAssocID="{0E57A019-B189-4C09-94B9-04EEA8C12E67}" presName="parTxOnly" presStyleLbl="node1" presStyleIdx="2" presStyleCnt="4">
         <dgm:presLayoutVars>
           <dgm:chMax val="0"/>
           <dgm:chPref val="0"/>
@@ -7624,7 +7680,7 @@
       <dgm:spPr/>
     </dgm:pt>
     <dgm:pt modelId="{70F00D4C-2EE3-4A90-A52F-BEEB97DC5C02}" type="pres">
-      <dgm:prSet presAssocID="{2DB37562-3BD4-4C67-A85C-693F0FB4EF59}" presName="parTxOnly" presStyleLbl="node1" presStyleIdx="2" presStyleCnt="3" custScaleY="91304">
+      <dgm:prSet presAssocID="{2DB37562-3BD4-4C67-A85C-693F0FB4EF59}" presName="parTxOnly" presStyleLbl="node1" presStyleIdx="3" presStyleCnt="4" custScaleY="91304">
         <dgm:presLayoutVars>
           <dgm:chMax val="0"/>
           <dgm:chPref val="0"/>
@@ -7638,15 +7694,19 @@
     <dgm:cxn modelId="{EBB0BC69-40A6-4EBB-8179-88E068DF18EB}" type="presOf" srcId="{964AF6F1-4B56-4B58-9C64-3DEE27E9C2FD}" destId="{FEDD0F47-4BF4-4A09-8E17-25832D242D74}" srcOrd="0" destOrd="0" presId="urn:microsoft.com/office/officeart/2005/8/layout/chevron1"/>
     <dgm:cxn modelId="{53889088-6B3E-4F62-B9B0-E7C9520A509C}" type="presOf" srcId="{2DB37562-3BD4-4C67-A85C-693F0FB4EF59}" destId="{70F00D4C-2EE3-4A90-A52F-BEEB97DC5C02}" srcOrd="0" destOrd="0" presId="urn:microsoft.com/office/officeart/2005/8/layout/chevron1"/>
     <dgm:cxn modelId="{2BF3FC31-3180-43D8-8ED7-8CF66BE4A91A}" type="presOf" srcId="{65AEEEF9-603A-424A-AE78-8A05B58C0482}" destId="{FDF80718-29EA-43C8-BEE2-C47DF04ECB31}" srcOrd="0" destOrd="0" presId="urn:microsoft.com/office/officeart/2005/8/layout/chevron1"/>
+    <dgm:cxn modelId="{EF3C576F-A5D8-4B47-8F53-0A76A192C37C}" type="presOf" srcId="{E58A29D1-0E2F-441F-972F-1C19AC7917F7}" destId="{74FC2D23-AF53-42A6-940B-5F2C9B0ADC8E}" srcOrd="0" destOrd="0" presId="urn:microsoft.com/office/officeart/2005/8/layout/chevron1"/>
     <dgm:cxn modelId="{C2B6504D-2A0D-4A14-9884-7A2DF97851FE}" srcId="{964AF6F1-4B56-4B58-9C64-3DEE27E9C2FD}" destId="{65AEEEF9-603A-424A-AE78-8A05B58C0482}" srcOrd="0" destOrd="0" parTransId="{1CEE4324-1414-42C9-90BD-9AD12A26CE01}" sibTransId="{6B5D9F73-0D14-46A1-AE3B-A0BBCFE61925}"/>
+    <dgm:cxn modelId="{C8DE7068-E64A-4482-A413-F0D94077C68F}" srcId="{964AF6F1-4B56-4B58-9C64-3DEE27E9C2FD}" destId="{E58A29D1-0E2F-441F-972F-1C19AC7917F7}" srcOrd="1" destOrd="0" parTransId="{5A82425B-C5CB-49A4-8693-884797028CDE}" sibTransId="{553662FB-CE38-497D-A1F0-34012C3956E5}"/>
     <dgm:cxn modelId="{ECE3BE92-96E9-4C3E-9A55-79F250A4236D}" type="presOf" srcId="{0E57A019-B189-4C09-94B9-04EEA8C12E67}" destId="{7FC41A9D-CE28-474A-9A10-4A3652C56412}" srcOrd="0" destOrd="0" presId="urn:microsoft.com/office/officeart/2005/8/layout/chevron1"/>
-    <dgm:cxn modelId="{C230CF9B-00D2-4E64-915A-C998E0DDEB63}" srcId="{964AF6F1-4B56-4B58-9C64-3DEE27E9C2FD}" destId="{0E57A019-B189-4C09-94B9-04EEA8C12E67}" srcOrd="1" destOrd="0" parTransId="{E868A6FA-C4B3-4262-9178-CE1CA69492E0}" sibTransId="{0C50F2B5-A99A-4E62-B02C-308510CD02C3}"/>
-    <dgm:cxn modelId="{76DB63A7-C4C8-45E4-85B9-4082C39BD210}" srcId="{964AF6F1-4B56-4B58-9C64-3DEE27E9C2FD}" destId="{2DB37562-3BD4-4C67-A85C-693F0FB4EF59}" srcOrd="2" destOrd="0" parTransId="{0A5963D4-B10A-42B3-92D7-6DFB539445E5}" sibTransId="{C5BA4D25-F028-4B89-993D-90B9A379E67A}"/>
+    <dgm:cxn modelId="{C230CF9B-00D2-4E64-915A-C998E0DDEB63}" srcId="{964AF6F1-4B56-4B58-9C64-3DEE27E9C2FD}" destId="{0E57A019-B189-4C09-94B9-04EEA8C12E67}" srcOrd="2" destOrd="0" parTransId="{E868A6FA-C4B3-4262-9178-CE1CA69492E0}" sibTransId="{0C50F2B5-A99A-4E62-B02C-308510CD02C3}"/>
+    <dgm:cxn modelId="{76DB63A7-C4C8-45E4-85B9-4082C39BD210}" srcId="{964AF6F1-4B56-4B58-9C64-3DEE27E9C2FD}" destId="{2DB37562-3BD4-4C67-A85C-693F0FB4EF59}" srcOrd="3" destOrd="0" parTransId="{0A5963D4-B10A-42B3-92D7-6DFB539445E5}" sibTransId="{C5BA4D25-F028-4B89-993D-90B9A379E67A}"/>
     <dgm:cxn modelId="{4A106BCE-4E26-4825-A602-9366FFA8D083}" type="presParOf" srcId="{FEDD0F47-4BF4-4A09-8E17-25832D242D74}" destId="{FDF80718-29EA-43C8-BEE2-C47DF04ECB31}" srcOrd="0" destOrd="0" presId="urn:microsoft.com/office/officeart/2005/8/layout/chevron1"/>
     <dgm:cxn modelId="{A4DC95D2-F268-478E-8714-37DE7BC809D0}" type="presParOf" srcId="{FEDD0F47-4BF4-4A09-8E17-25832D242D74}" destId="{C2017A0A-C2DF-4090-B044-EC27A0AE62D1}" srcOrd="1" destOrd="0" presId="urn:microsoft.com/office/officeart/2005/8/layout/chevron1"/>
-    <dgm:cxn modelId="{1ECBE2CD-CD51-4D25-942F-B8BB5E14770A}" type="presParOf" srcId="{FEDD0F47-4BF4-4A09-8E17-25832D242D74}" destId="{7FC41A9D-CE28-474A-9A10-4A3652C56412}" srcOrd="2" destOrd="0" presId="urn:microsoft.com/office/officeart/2005/8/layout/chevron1"/>
-    <dgm:cxn modelId="{02B1E9ED-7F61-4504-A545-89B1BB2D4F3C}" type="presParOf" srcId="{FEDD0F47-4BF4-4A09-8E17-25832D242D74}" destId="{440D40F8-FF42-446F-842A-694CBA30FA6C}" srcOrd="3" destOrd="0" presId="urn:microsoft.com/office/officeart/2005/8/layout/chevron1"/>
-    <dgm:cxn modelId="{D986E6FD-9C4C-4D92-BC5C-1995C37FD984}" type="presParOf" srcId="{FEDD0F47-4BF4-4A09-8E17-25832D242D74}" destId="{70F00D4C-2EE3-4A90-A52F-BEEB97DC5C02}" srcOrd="4" destOrd="0" presId="urn:microsoft.com/office/officeart/2005/8/layout/chevron1"/>
+    <dgm:cxn modelId="{83929062-69D5-4ED6-9933-172230A4F7CC}" type="presParOf" srcId="{FEDD0F47-4BF4-4A09-8E17-25832D242D74}" destId="{74FC2D23-AF53-42A6-940B-5F2C9B0ADC8E}" srcOrd="2" destOrd="0" presId="urn:microsoft.com/office/officeart/2005/8/layout/chevron1"/>
+    <dgm:cxn modelId="{11197FA3-88AF-4BDD-99A9-9E5F37680563}" type="presParOf" srcId="{FEDD0F47-4BF4-4A09-8E17-25832D242D74}" destId="{AE7D3916-6E52-4CE8-A1BA-D45A95B8FE62}" srcOrd="3" destOrd="0" presId="urn:microsoft.com/office/officeart/2005/8/layout/chevron1"/>
+    <dgm:cxn modelId="{1ECBE2CD-CD51-4D25-942F-B8BB5E14770A}" type="presParOf" srcId="{FEDD0F47-4BF4-4A09-8E17-25832D242D74}" destId="{7FC41A9D-CE28-474A-9A10-4A3652C56412}" srcOrd="4" destOrd="0" presId="urn:microsoft.com/office/officeart/2005/8/layout/chevron1"/>
+    <dgm:cxn modelId="{02B1E9ED-7F61-4504-A545-89B1BB2D4F3C}" type="presParOf" srcId="{FEDD0F47-4BF4-4A09-8E17-25832D242D74}" destId="{440D40F8-FF42-446F-842A-694CBA30FA6C}" srcOrd="5" destOrd="0" presId="urn:microsoft.com/office/officeart/2005/8/layout/chevron1"/>
+    <dgm:cxn modelId="{D986E6FD-9C4C-4D92-BC5C-1995C37FD984}" type="presParOf" srcId="{FEDD0F47-4BF4-4A09-8E17-25832D242D74}" destId="{70F00D4C-2EE3-4A90-A52F-BEEB97DC5C02}" srcOrd="6" destOrd="0" presId="urn:microsoft.com/office/officeart/2005/8/layout/chevron1"/>
   </dgm:cxnLst>
   <dgm:bg/>
   <dgm:whole/>
@@ -7673,8 +7733,8 @@
         <a:lstStyle/>
         <a:p>
           <a:r>
-            <a:rPr lang="fr-FR" sz="1100"/>
-            <a:t>Lecture du fichier</a:t>
+            <a:rPr lang="fr-FR" sz="1000"/>
+            <a:t>Lecture du fichier a envoyé</a:t>
           </a:r>
         </a:p>
       </dgm:t>
@@ -7701,42 +7761,6 @@
         </a:p>
       </dgm:t>
     </dgm:pt>
-    <dgm:pt modelId="{450ABB97-8EA9-4072-A7BF-C2C64517015A}">
-      <dgm:prSet phldrT="[Texte]" custT="1"/>
-      <dgm:spPr/>
-      <dgm:t>
-        <a:bodyPr/>
-        <a:lstStyle/>
-        <a:p>
-          <a:r>
-            <a:rPr lang="fr-FR" sz="1100"/>
-            <a:t>Chiffrement du contenu du fichier</a:t>
-          </a:r>
-        </a:p>
-      </dgm:t>
-    </dgm:pt>
-    <dgm:pt modelId="{E1D9D6C8-A306-4C11-88F6-E619DF52BBD8}" type="parTrans" cxnId="{19193EE5-918C-41FA-AB12-77283BF46F6B}">
-      <dgm:prSet/>
-      <dgm:spPr/>
-      <dgm:t>
-        <a:bodyPr/>
-        <a:lstStyle/>
-        <a:p>
-          <a:endParaRPr lang="fr-FR" sz="1100"/>
-        </a:p>
-      </dgm:t>
-    </dgm:pt>
-    <dgm:pt modelId="{F1C69AD0-C5FB-4D6E-B10F-2FEFEB4E5F92}" type="sibTrans" cxnId="{19193EE5-918C-41FA-AB12-77283BF46F6B}">
-      <dgm:prSet/>
-      <dgm:spPr/>
-      <dgm:t>
-        <a:bodyPr/>
-        <a:lstStyle/>
-        <a:p>
-          <a:endParaRPr lang="fr-FR" sz="1100"/>
-        </a:p>
-      </dgm:t>
-    </dgm:pt>
     <dgm:pt modelId="{867429F0-440C-4763-BCE4-EBC421D2BAB4}">
       <dgm:prSet phldrT="[Texte]" custT="1"/>
       <dgm:spPr/>
@@ -7745,7 +7769,7 @@
         <a:lstStyle/>
         <a:p>
           <a:r>
-            <a:rPr lang="fr-FR" sz="1100"/>
+            <a:rPr lang="fr-FR" sz="1000"/>
             <a:t>Envoie du fichier au serveur ftp</a:t>
           </a:r>
         </a:p>
@@ -7773,7 +7797,7 @@
         </a:p>
       </dgm:t>
     </dgm:pt>
-    <dgm:pt modelId="{AAE84854-6D6D-422D-85F1-603029E7E044}">
+    <dgm:pt modelId="{F53594D1-5BAE-44FB-81AC-6C78C2444A11}">
       <dgm:prSet phldrT="[Texte]" custT="1"/>
       <dgm:spPr/>
       <dgm:t>
@@ -7781,13 +7805,13 @@
         <a:lstStyle/>
         <a:p>
           <a:r>
-            <a:rPr lang="fr-FR" sz="1100"/>
-            <a:t>Lecture de la date de création du fichier sur le serveur ftp</a:t>
+            <a:rPr lang="fr-FR" sz="1000"/>
+            <a:t>Création du fichier temporaire</a:t>
           </a:r>
         </a:p>
       </dgm:t>
     </dgm:pt>
-    <dgm:pt modelId="{A2152B44-AF2B-4AC2-BB9F-3ADC5BDAE4F7}" type="parTrans" cxnId="{2C2B5490-4BA9-4A25-BF8D-5BDDD41BFE98}">
+    <dgm:pt modelId="{7B34CC49-AB14-4F48-A113-48E6181087B6}" type="parTrans" cxnId="{7029AD39-4A80-4268-B35B-54F841E26390}">
       <dgm:prSet/>
       <dgm:spPr/>
       <dgm:t>
@@ -7798,7 +7822,7 @@
         </a:p>
       </dgm:t>
     </dgm:pt>
-    <dgm:pt modelId="{2C4BE23E-CB62-46F3-A6AE-7E674E851C2D}" type="sibTrans" cxnId="{2C2B5490-4BA9-4A25-BF8D-5BDDD41BFE98}">
+    <dgm:pt modelId="{EA5CC2B7-2A15-4320-AB98-CC402BF1F703}" type="sibTrans" cxnId="{7029AD39-4A80-4268-B35B-54F841E26390}">
       <dgm:prSet/>
       <dgm:spPr/>
       <dgm:t>
@@ -7806,6 +7830,78 @@
         <a:lstStyle/>
         <a:p>
           <a:endParaRPr lang="fr-FR" sz="1100"/>
+        </a:p>
+      </dgm:t>
+    </dgm:pt>
+    <dgm:pt modelId="{076DC252-538F-4EF5-9D90-7C6816D104EC}">
+      <dgm:prSet phldrT="[Texte]" custT="1"/>
+      <dgm:spPr/>
+      <dgm:t>
+        <a:bodyPr/>
+        <a:lstStyle/>
+        <a:p>
+          <a:r>
+            <a:rPr lang="fr-FR" sz="1000"/>
+            <a:t>Insertion en base de données</a:t>
+          </a:r>
+        </a:p>
+      </dgm:t>
+    </dgm:pt>
+    <dgm:pt modelId="{F724E4A8-730C-4954-A315-19DA9731FD3D}" type="parTrans" cxnId="{CF8A5592-670F-4B30-B76E-08588B3915AA}">
+      <dgm:prSet/>
+      <dgm:spPr/>
+      <dgm:t>
+        <a:bodyPr/>
+        <a:lstStyle/>
+        <a:p>
+          <a:endParaRPr lang="fr-FR"/>
+        </a:p>
+      </dgm:t>
+    </dgm:pt>
+    <dgm:pt modelId="{4151658C-9835-4DAB-86A3-9883BFCFF3C2}" type="sibTrans" cxnId="{CF8A5592-670F-4B30-B76E-08588B3915AA}">
+      <dgm:prSet/>
+      <dgm:spPr/>
+      <dgm:t>
+        <a:bodyPr/>
+        <a:lstStyle/>
+        <a:p>
+          <a:endParaRPr lang="fr-FR"/>
+        </a:p>
+      </dgm:t>
+    </dgm:pt>
+    <dgm:pt modelId="{D871AC7C-0837-4216-A320-89FBE9F55A3F}">
+      <dgm:prSet phldrT="[Texte]" custT="1"/>
+      <dgm:spPr/>
+      <dgm:t>
+        <a:bodyPr/>
+        <a:lstStyle/>
+        <a:p>
+          <a:r>
+            <a:rPr lang="fr-FR" sz="1000"/>
+            <a:t>Chiffrement du contenu du fichier</a:t>
+          </a:r>
+        </a:p>
+      </dgm:t>
+    </dgm:pt>
+    <dgm:pt modelId="{29780130-4313-4232-86AB-DEEF0903E006}" type="parTrans" cxnId="{EC7927E9-F6C1-461D-BF54-4F487CE02EED}">
+      <dgm:prSet/>
+      <dgm:spPr/>
+      <dgm:t>
+        <a:bodyPr/>
+        <a:lstStyle/>
+        <a:p>
+          <a:endParaRPr lang="fr-FR"/>
+        </a:p>
+      </dgm:t>
+    </dgm:pt>
+    <dgm:pt modelId="{18D226CC-1772-44B3-A6AB-92625ECEE449}" type="sibTrans" cxnId="{EC7927E9-F6C1-461D-BF54-4F487CE02EED}">
+      <dgm:prSet/>
+      <dgm:spPr/>
+      <dgm:t>
+        <a:bodyPr/>
+        <a:lstStyle/>
+        <a:p>
+          <a:endParaRPr lang="fr-FR"/>
         </a:p>
       </dgm:t>
     </dgm:pt>
@@ -7819,8 +7915,8 @@
       </dgm:prSet>
       <dgm:spPr/>
     </dgm:pt>
-    <dgm:pt modelId="{A29B4B0D-CC97-4621-896C-3A53BFC33E6C}" type="pres">
-      <dgm:prSet presAssocID="{AAE84854-6D6D-422D-85F1-603029E7E044}" presName="parTxOnly" presStyleLbl="node1" presStyleIdx="0" presStyleCnt="4" custScaleX="121427" custScaleY="111172">
+    <dgm:pt modelId="{0E065F68-7715-4F1D-8A27-C2C55EB5B156}" type="pres">
+      <dgm:prSet presAssocID="{076DC252-538F-4EF5-9D90-7C6816D104EC}" presName="parTxOnly" presStyleLbl="node1" presStyleIdx="0" presStyleCnt="5">
         <dgm:presLayoutVars>
           <dgm:chMax val="0"/>
           <dgm:chPref val="0"/>
@@ -7829,12 +7925,12 @@
       </dgm:prSet>
       <dgm:spPr/>
     </dgm:pt>
-    <dgm:pt modelId="{78AF6F5E-1E41-4A34-93BE-AD26EE2D2D06}" type="pres">
-      <dgm:prSet presAssocID="{2C4BE23E-CB62-46F3-A6AE-7E674E851C2D}" presName="parTxOnlySpace" presStyleCnt="0"/>
+    <dgm:pt modelId="{0072FC72-58A1-4354-8DD9-00FEF2B56D7D}" type="pres">
+      <dgm:prSet presAssocID="{4151658C-9835-4DAB-86A3-9883BFCFF3C2}" presName="parTxOnlySpace" presStyleCnt="0"/>
       <dgm:spPr/>
     </dgm:pt>
     <dgm:pt modelId="{1F641C56-2D4A-4426-AFC8-1E1686910024}" type="pres">
-      <dgm:prSet presAssocID="{914BA5D3-4FF1-4A98-B5FB-231BE2890390}" presName="parTxOnly" presStyleLbl="node1" presStyleIdx="1" presStyleCnt="4">
+      <dgm:prSet presAssocID="{914BA5D3-4FF1-4A98-B5FB-231BE2890390}" presName="parTxOnly" presStyleLbl="node1" presStyleIdx="1" presStyleCnt="5">
         <dgm:presLayoutVars>
           <dgm:chMax val="0"/>
           <dgm:chPref val="0"/>
@@ -7847,8 +7943,8 @@
       <dgm:prSet presAssocID="{D593F133-95D9-4B4A-B90E-08144C82EF47}" presName="parTxOnlySpace" presStyleCnt="0"/>
       <dgm:spPr/>
     </dgm:pt>
-    <dgm:pt modelId="{43934239-2374-4CAF-AFB2-C180AC06BB1F}" type="pres">
-      <dgm:prSet presAssocID="{450ABB97-8EA9-4072-A7BF-C2C64517015A}" presName="parTxOnly" presStyleLbl="node1" presStyleIdx="2" presStyleCnt="4">
+    <dgm:pt modelId="{34B9ABDE-DD09-4850-961E-3B01718BB693}" type="pres">
+      <dgm:prSet presAssocID="{D871AC7C-0837-4216-A320-89FBE9F55A3F}" presName="parTxOnly" presStyleLbl="node1" presStyleIdx="2" presStyleCnt="5">
         <dgm:presLayoutVars>
           <dgm:chMax val="0"/>
           <dgm:chPref val="0"/>
@@ -7857,12 +7953,26 @@
       </dgm:prSet>
       <dgm:spPr/>
     </dgm:pt>
-    <dgm:pt modelId="{68F8BFCE-7900-48BE-8460-1B0085D90388}" type="pres">
-      <dgm:prSet presAssocID="{F1C69AD0-C5FB-4D6E-B10F-2FEFEB4E5F92}" presName="parTxOnlySpace" presStyleCnt="0"/>
+    <dgm:pt modelId="{21A39CB9-6506-45CD-97EC-BC2D9DC99D1C}" type="pres">
+      <dgm:prSet presAssocID="{18D226CC-1772-44B3-A6AB-92625ECEE449}" presName="parTxOnlySpace" presStyleCnt="0"/>
+      <dgm:spPr/>
+    </dgm:pt>
+    <dgm:pt modelId="{ECF83481-C307-4753-96B3-6083E9EC6C0B}" type="pres">
+      <dgm:prSet presAssocID="{F53594D1-5BAE-44FB-81AC-6C78C2444A11}" presName="parTxOnly" presStyleLbl="node1" presStyleIdx="3" presStyleCnt="5">
+        <dgm:presLayoutVars>
+          <dgm:chMax val="0"/>
+          <dgm:chPref val="0"/>
+          <dgm:bulletEnabled val="1"/>
+        </dgm:presLayoutVars>
+      </dgm:prSet>
+      <dgm:spPr/>
+    </dgm:pt>
+    <dgm:pt modelId="{56F102C3-317B-4E95-9123-86900AD41835}" type="pres">
+      <dgm:prSet presAssocID="{EA5CC2B7-2A15-4320-AB98-CC402BF1F703}" presName="parTxOnlySpace" presStyleCnt="0"/>
       <dgm:spPr/>
     </dgm:pt>
     <dgm:pt modelId="{F092ECD4-CDA6-4D6B-8229-8734B2D51B37}" type="pres">
-      <dgm:prSet presAssocID="{867429F0-440C-4763-BCE4-EBC421D2BAB4}" presName="parTxOnly" presStyleLbl="node1" presStyleIdx="3" presStyleCnt="4">
+      <dgm:prSet presAssocID="{867429F0-440C-4763-BCE4-EBC421D2BAB4}" presName="parTxOnly" presStyleLbl="node1" presStyleIdx="4" presStyleCnt="5">
         <dgm:presLayoutVars>
           <dgm:chMax val="0"/>
           <dgm:chPref val="0"/>
@@ -7873,22 +7983,26 @@
     </dgm:pt>
   </dgm:ptLst>
   <dgm:cxnLst>
+    <dgm:cxn modelId="{7029AD39-4A80-4268-B35B-54F841E26390}" srcId="{964AF6F1-4B56-4B58-9C64-3DEE27E9C2FD}" destId="{F53594D1-5BAE-44FB-81AC-6C78C2444A11}" srcOrd="3" destOrd="0" parTransId="{7B34CC49-AB14-4F48-A113-48E6181087B6}" sibTransId="{EA5CC2B7-2A15-4320-AB98-CC402BF1F703}"/>
+    <dgm:cxn modelId="{9BDE337A-A526-40E0-9311-F4F85EBC0BAD}" type="presOf" srcId="{076DC252-538F-4EF5-9D90-7C6816D104EC}" destId="{0E065F68-7715-4F1D-8A27-C2C55EB5B156}" srcOrd="0" destOrd="0" presId="urn:microsoft.com/office/officeart/2005/8/layout/chevron1"/>
     <dgm:cxn modelId="{EBB0BC69-40A6-4EBB-8179-88E068DF18EB}" type="presOf" srcId="{964AF6F1-4B56-4B58-9C64-3DEE27E9C2FD}" destId="{FEDD0F47-4BF4-4A09-8E17-25832D242D74}" srcOrd="0" destOrd="0" presId="urn:microsoft.com/office/officeart/2005/8/layout/chevron1"/>
-    <dgm:cxn modelId="{19193EE5-918C-41FA-AB12-77283BF46F6B}" srcId="{964AF6F1-4B56-4B58-9C64-3DEE27E9C2FD}" destId="{450ABB97-8EA9-4072-A7BF-C2C64517015A}" srcOrd="2" destOrd="0" parTransId="{E1D9D6C8-A306-4C11-88F6-E619DF52BBD8}" sibTransId="{F1C69AD0-C5FB-4D6E-B10F-2FEFEB4E5F92}"/>
+    <dgm:cxn modelId="{A1D2A009-3203-4064-B078-CA9D5318CE1E}" type="presOf" srcId="{867429F0-440C-4763-BCE4-EBC421D2BAB4}" destId="{F092ECD4-CDA6-4D6B-8229-8734B2D51B37}" srcOrd="0" destOrd="0" presId="urn:microsoft.com/office/officeart/2005/8/layout/chevron1"/>
+    <dgm:cxn modelId="{49BAFA8F-2AAA-4D6F-B257-BDFDD2B1597A}" type="presOf" srcId="{F53594D1-5BAE-44FB-81AC-6C78C2444A11}" destId="{ECF83481-C307-4753-96B3-6083E9EC6C0B}" srcOrd="0" destOrd="0" presId="urn:microsoft.com/office/officeart/2005/8/layout/chevron1"/>
+    <dgm:cxn modelId="{3B69C24A-35FA-47E9-A814-7B69B3945910}" type="presOf" srcId="{D871AC7C-0837-4216-A320-89FBE9F55A3F}" destId="{34B9ABDE-DD09-4850-961E-3B01718BB693}" srcOrd="0" destOrd="0" presId="urn:microsoft.com/office/officeart/2005/8/layout/chevron1"/>
     <dgm:cxn modelId="{8A74BA02-483B-48EF-B75B-F37694215CDE}" srcId="{964AF6F1-4B56-4B58-9C64-3DEE27E9C2FD}" destId="{914BA5D3-4FF1-4A98-B5FB-231BE2890390}" srcOrd="1" destOrd="0" parTransId="{47808B04-9325-47D9-B0CF-AC4C6294769D}" sibTransId="{D593F133-95D9-4B4A-B90E-08144C82EF47}"/>
-    <dgm:cxn modelId="{ECC4F240-7A76-4756-AF79-D0906864218D}" srcId="{964AF6F1-4B56-4B58-9C64-3DEE27E9C2FD}" destId="{867429F0-440C-4763-BCE4-EBC421D2BAB4}" srcOrd="3" destOrd="0" parTransId="{23E1D3EA-204C-4F2B-A925-7E7024BEC7C4}" sibTransId="{91E406D4-28A3-4FBA-8B85-9DC51964C918}"/>
-    <dgm:cxn modelId="{65132ADF-52FF-41C0-A3C0-E3F813EBFA1E}" type="presOf" srcId="{450ABB97-8EA9-4072-A7BF-C2C64517015A}" destId="{43934239-2374-4CAF-AFB2-C180AC06BB1F}" srcOrd="0" destOrd="0" presId="urn:microsoft.com/office/officeart/2005/8/layout/chevron1"/>
-    <dgm:cxn modelId="{3C2C8269-ADB8-4188-A243-494FA546CE64}" type="presOf" srcId="{AAE84854-6D6D-422D-85F1-603029E7E044}" destId="{A29B4B0D-CC97-4621-896C-3A53BFC33E6C}" srcOrd="0" destOrd="0" presId="urn:microsoft.com/office/officeart/2005/8/layout/chevron1"/>
-    <dgm:cxn modelId="{A1D2A009-3203-4064-B078-CA9D5318CE1E}" type="presOf" srcId="{867429F0-440C-4763-BCE4-EBC421D2BAB4}" destId="{F092ECD4-CDA6-4D6B-8229-8734B2D51B37}" srcOrd="0" destOrd="0" presId="urn:microsoft.com/office/officeart/2005/8/layout/chevron1"/>
-    <dgm:cxn modelId="{2C2B5490-4BA9-4A25-BF8D-5BDDD41BFE98}" srcId="{964AF6F1-4B56-4B58-9C64-3DEE27E9C2FD}" destId="{AAE84854-6D6D-422D-85F1-603029E7E044}" srcOrd="0" destOrd="0" parTransId="{A2152B44-AF2B-4AC2-BB9F-3ADC5BDAE4F7}" sibTransId="{2C4BE23E-CB62-46F3-A6AE-7E674E851C2D}"/>
+    <dgm:cxn modelId="{ECC4F240-7A76-4756-AF79-D0906864218D}" srcId="{964AF6F1-4B56-4B58-9C64-3DEE27E9C2FD}" destId="{867429F0-440C-4763-BCE4-EBC421D2BAB4}" srcOrd="4" destOrd="0" parTransId="{23E1D3EA-204C-4F2B-A925-7E7024BEC7C4}" sibTransId="{91E406D4-28A3-4FBA-8B85-9DC51964C918}"/>
     <dgm:cxn modelId="{B702382F-513D-42EF-A886-75580EABAB28}" type="presOf" srcId="{914BA5D3-4FF1-4A98-B5FB-231BE2890390}" destId="{1F641C56-2D4A-4426-AFC8-1E1686910024}" srcOrd="0" destOrd="0" presId="urn:microsoft.com/office/officeart/2005/8/layout/chevron1"/>
-    <dgm:cxn modelId="{03184D61-017C-41A0-8FAB-62BD320A7310}" type="presParOf" srcId="{FEDD0F47-4BF4-4A09-8E17-25832D242D74}" destId="{A29B4B0D-CC97-4621-896C-3A53BFC33E6C}" srcOrd="0" destOrd="0" presId="urn:microsoft.com/office/officeart/2005/8/layout/chevron1"/>
-    <dgm:cxn modelId="{6BD604CC-3720-4617-84B8-47F240411273}" type="presParOf" srcId="{FEDD0F47-4BF4-4A09-8E17-25832D242D74}" destId="{78AF6F5E-1E41-4A34-93BE-AD26EE2D2D06}" srcOrd="1" destOrd="0" presId="urn:microsoft.com/office/officeart/2005/8/layout/chevron1"/>
+    <dgm:cxn modelId="{CF8A5592-670F-4B30-B76E-08588B3915AA}" srcId="{964AF6F1-4B56-4B58-9C64-3DEE27E9C2FD}" destId="{076DC252-538F-4EF5-9D90-7C6816D104EC}" srcOrd="0" destOrd="0" parTransId="{F724E4A8-730C-4954-A315-19DA9731FD3D}" sibTransId="{4151658C-9835-4DAB-86A3-9883BFCFF3C2}"/>
+    <dgm:cxn modelId="{EC7927E9-F6C1-461D-BF54-4F487CE02EED}" srcId="{964AF6F1-4B56-4B58-9C64-3DEE27E9C2FD}" destId="{D871AC7C-0837-4216-A320-89FBE9F55A3F}" srcOrd="2" destOrd="0" parTransId="{29780130-4313-4232-86AB-DEEF0903E006}" sibTransId="{18D226CC-1772-44B3-A6AB-92625ECEE449}"/>
+    <dgm:cxn modelId="{8E9F9CEF-4F9A-40DE-B494-653B27BE6BAE}" type="presParOf" srcId="{FEDD0F47-4BF4-4A09-8E17-25832D242D74}" destId="{0E065F68-7715-4F1D-8A27-C2C55EB5B156}" srcOrd="0" destOrd="0" presId="urn:microsoft.com/office/officeart/2005/8/layout/chevron1"/>
+    <dgm:cxn modelId="{015CB5E1-15D8-45F2-AFA8-2EF7886393E3}" type="presParOf" srcId="{FEDD0F47-4BF4-4A09-8E17-25832D242D74}" destId="{0072FC72-58A1-4354-8DD9-00FEF2B56D7D}" srcOrd="1" destOrd="0" presId="urn:microsoft.com/office/officeart/2005/8/layout/chevron1"/>
     <dgm:cxn modelId="{530A2E7B-FEA3-404A-B740-4A4C3B0FF8A7}" type="presParOf" srcId="{FEDD0F47-4BF4-4A09-8E17-25832D242D74}" destId="{1F641C56-2D4A-4426-AFC8-1E1686910024}" srcOrd="2" destOrd="0" presId="urn:microsoft.com/office/officeart/2005/8/layout/chevron1"/>
     <dgm:cxn modelId="{C45EC457-5D9C-4F06-A034-B62ABAF50ECA}" type="presParOf" srcId="{FEDD0F47-4BF4-4A09-8E17-25832D242D74}" destId="{3CF83603-89F4-4163-B56C-2DD8F4DBEA2B}" srcOrd="3" destOrd="0" presId="urn:microsoft.com/office/officeart/2005/8/layout/chevron1"/>
-    <dgm:cxn modelId="{2A1D4741-81A4-4668-8455-D50950BC7C56}" type="presParOf" srcId="{FEDD0F47-4BF4-4A09-8E17-25832D242D74}" destId="{43934239-2374-4CAF-AFB2-C180AC06BB1F}" srcOrd="4" destOrd="0" presId="urn:microsoft.com/office/officeart/2005/8/layout/chevron1"/>
-    <dgm:cxn modelId="{83D88317-6828-4C36-972A-5711F474A4DB}" type="presParOf" srcId="{FEDD0F47-4BF4-4A09-8E17-25832D242D74}" destId="{68F8BFCE-7900-48BE-8460-1B0085D90388}" srcOrd="5" destOrd="0" presId="urn:microsoft.com/office/officeart/2005/8/layout/chevron1"/>
-    <dgm:cxn modelId="{7AB3BB6F-FD7B-48E7-908E-42F1376967C0}" type="presParOf" srcId="{FEDD0F47-4BF4-4A09-8E17-25832D242D74}" destId="{F092ECD4-CDA6-4D6B-8229-8734B2D51B37}" srcOrd="6" destOrd="0" presId="urn:microsoft.com/office/officeart/2005/8/layout/chevron1"/>
+    <dgm:cxn modelId="{CD4E22E5-AE9C-43FB-B7A6-9B7CBD309DED}" type="presParOf" srcId="{FEDD0F47-4BF4-4A09-8E17-25832D242D74}" destId="{34B9ABDE-DD09-4850-961E-3B01718BB693}" srcOrd="4" destOrd="0" presId="urn:microsoft.com/office/officeart/2005/8/layout/chevron1"/>
+    <dgm:cxn modelId="{3011942A-4C48-4CCE-8EB5-CC9229E658B1}" type="presParOf" srcId="{FEDD0F47-4BF4-4A09-8E17-25832D242D74}" destId="{21A39CB9-6506-45CD-97EC-BC2D9DC99D1C}" srcOrd="5" destOrd="0" presId="urn:microsoft.com/office/officeart/2005/8/layout/chevron1"/>
+    <dgm:cxn modelId="{BC816BC9-2126-4BEC-B4A8-91B472D8D5D7}" type="presParOf" srcId="{FEDD0F47-4BF4-4A09-8E17-25832D242D74}" destId="{ECF83481-C307-4753-96B3-6083E9EC6C0B}" srcOrd="6" destOrd="0" presId="urn:microsoft.com/office/officeart/2005/8/layout/chevron1"/>
+    <dgm:cxn modelId="{8F34582F-0DAC-453C-B580-FC9A9FFB0AC3}" type="presParOf" srcId="{FEDD0F47-4BF4-4A09-8E17-25832D242D74}" destId="{56F102C3-317B-4E95-9123-86900AD41835}" srcOrd="7" destOrd="0" presId="urn:microsoft.com/office/officeart/2005/8/layout/chevron1"/>
+    <dgm:cxn modelId="{7AB3BB6F-FD7B-48E7-908E-42F1376967C0}" type="presParOf" srcId="{FEDD0F47-4BF4-4A09-8E17-25832D242D74}" destId="{F092ECD4-CDA6-4D6B-8229-8734B2D51B37}" srcOrd="8" destOrd="0" presId="urn:microsoft.com/office/officeart/2005/8/layout/chevron1"/>
   </dgm:cxnLst>
   <dgm:bg/>
   <dgm:whole/>
@@ -10692,9 +10806,10 @@
             <a:buNone/>
           </a:pPr>
           <a:r>
-            <a:rPr lang="fr-FR" sz="1400" kern="1200"/>
-            <a:t>Configuration</a:t>
+            <a:rPr lang="fr-FR" sz="1400" kern="1200" dirty="0" err="1"/>
+            <a:t>Conf</a:t>
           </a:r>
+          <a:endParaRPr lang="fr-FR" sz="1400" kern="1200" dirty="0"/>
         </a:p>
         <a:p>
           <a:pPr marL="57150" lvl="1" indent="-57150" algn="l" defTabSz="488950">
@@ -10710,9 +10825,14 @@
             <a:buChar char="•"/>
           </a:pPr>
           <a:r>
-            <a:rPr lang="fr-FR" sz="1100" kern="1200"/>
-            <a:t>Fichier de configuraiton</a:t>
+            <a:rPr lang="fr-FR" sz="1100" kern="1200" dirty="0"/>
+            <a:t>Fichier de </a:t>
           </a:r>
+          <a:r>
+            <a:rPr lang="fr-FR" sz="1100" kern="1200" dirty="0" err="1"/>
+            <a:t>configuraiton</a:t>
+          </a:r>
+          <a:endParaRPr lang="fr-FR" sz="1100" kern="1200" dirty="0"/>
         </a:p>
       </dsp:txBody>
       <dsp:txXfrm>
@@ -10893,8 +11013,8 @@
       </dsp:nvSpPr>
       <dsp:spPr>
         <a:xfrm>
-          <a:off x="1694" y="0"/>
-          <a:ext cx="2063900" cy="583565"/>
+          <a:off x="2705" y="0"/>
+          <a:ext cx="1575053" cy="617855"/>
         </a:xfrm>
         <a:prstGeom prst="chevron">
           <a:avLst/>
@@ -10935,12 +11055,12 @@
         </a:fontRef>
       </dsp:style>
       <dsp:txBody>
-        <a:bodyPr spcFirstLastPara="0" vert="horz" wrap="square" lIns="44006" tIns="14669" rIns="14669" bIns="14669" numCol="1" spcCol="1270" anchor="ctr" anchorCtr="0">
+        <a:bodyPr spcFirstLastPara="0" vert="horz" wrap="square" lIns="40005" tIns="13335" rIns="13335" bIns="13335" numCol="1" spcCol="1270" anchor="ctr" anchorCtr="0">
           <a:noAutofit/>
         </a:bodyPr>
         <a:lstStyle/>
         <a:p>
-          <a:pPr marL="0" lvl="0" indent="0" algn="ctr" defTabSz="488950">
+          <a:pPr marL="0" lvl="0" indent="0" algn="ctr" defTabSz="444500">
             <a:lnSpc>
               <a:spcPct val="90000"/>
             </a:lnSpc>
@@ -10953,25 +11073,25 @@
             <a:buNone/>
           </a:pPr>
           <a:r>
-            <a:rPr lang="fr-FR" sz="1100" kern="1200"/>
+            <a:rPr lang="fr-FR" sz="1000" kern="1200"/>
             <a:t>Lecture du fichier de configuration</a:t>
           </a:r>
         </a:p>
       </dsp:txBody>
       <dsp:txXfrm>
-        <a:off x="293477" y="0"/>
-        <a:ext cx="1480335" cy="583565"/>
+        <a:off x="311633" y="0"/>
+        <a:ext cx="957198" cy="617855"/>
       </dsp:txXfrm>
     </dsp:sp>
-    <dsp:sp modelId="{7FC41A9D-CE28-474A-9A10-4A3652C56412}">
+    <dsp:sp modelId="{74FC2D23-AF53-42A6-940B-5F2C9B0ADC8E}">
       <dsp:nvSpPr>
         <dsp:cNvPr id="0" name=""/>
         <dsp:cNvSpPr/>
       </dsp:nvSpPr>
       <dsp:spPr>
         <a:xfrm>
-          <a:off x="1859204" y="0"/>
-          <a:ext cx="2063900" cy="583565"/>
+          <a:off x="1420254" y="0"/>
+          <a:ext cx="1575053" cy="617855"/>
         </a:xfrm>
         <a:prstGeom prst="chevron">
           <a:avLst/>
@@ -11012,12 +11132,12 @@
         </a:fontRef>
       </dsp:style>
       <dsp:txBody>
-        <a:bodyPr spcFirstLastPara="0" vert="horz" wrap="square" lIns="44006" tIns="14669" rIns="14669" bIns="14669" numCol="1" spcCol="1270" anchor="ctr" anchorCtr="0">
+        <a:bodyPr spcFirstLastPara="0" vert="horz" wrap="square" lIns="40005" tIns="13335" rIns="13335" bIns="13335" numCol="1" spcCol="1270" anchor="ctr" anchorCtr="0">
           <a:noAutofit/>
         </a:bodyPr>
         <a:lstStyle/>
         <a:p>
-          <a:pPr marL="0" lvl="0" indent="0" algn="ctr" defTabSz="488950">
+          <a:pPr marL="0" lvl="0" indent="0" algn="ctr" defTabSz="444500">
             <a:lnSpc>
               <a:spcPct val="90000"/>
             </a:lnSpc>
@@ -11030,25 +11150,25 @@
             <a:buNone/>
           </a:pPr>
           <a:r>
-            <a:rPr lang="fr-FR" sz="1100" kern="1200"/>
-            <a:t>Lecture de la date de dernière mofication du fichier a envoyé</a:t>
+            <a:rPr lang="fr-FR" sz="1000" kern="1200"/>
+            <a:t>Stockage des fichiers dans un tableaux de fichiers</a:t>
           </a:r>
         </a:p>
       </dsp:txBody>
       <dsp:txXfrm>
-        <a:off x="2150987" y="0"/>
-        <a:ext cx="1480335" cy="583565"/>
+        <a:off x="1729182" y="0"/>
+        <a:ext cx="957198" cy="617855"/>
       </dsp:txXfrm>
     </dsp:sp>
-    <dsp:sp modelId="{70F00D4C-2EE3-4A90-A52F-BEEB97DC5C02}">
+    <dsp:sp modelId="{7FC41A9D-CE28-474A-9A10-4A3652C56412}">
       <dsp:nvSpPr>
         <dsp:cNvPr id="0" name=""/>
         <dsp:cNvSpPr/>
       </dsp:nvSpPr>
       <dsp:spPr>
         <a:xfrm>
-          <a:off x="3716715" y="25373"/>
-          <a:ext cx="2063900" cy="532818"/>
+          <a:off x="2837802" y="0"/>
+          <a:ext cx="1575053" cy="617855"/>
         </a:xfrm>
         <a:prstGeom prst="chevron">
           <a:avLst/>
@@ -11089,12 +11209,12 @@
         </a:fontRef>
       </dsp:style>
       <dsp:txBody>
-        <a:bodyPr spcFirstLastPara="0" vert="horz" wrap="square" lIns="44006" tIns="14669" rIns="14669" bIns="14669" numCol="1" spcCol="1270" anchor="ctr" anchorCtr="0">
+        <a:bodyPr spcFirstLastPara="0" vert="horz" wrap="square" lIns="40005" tIns="13335" rIns="13335" bIns="13335" numCol="1" spcCol="1270" anchor="ctr" anchorCtr="0">
           <a:noAutofit/>
         </a:bodyPr>
         <a:lstStyle/>
         <a:p>
-          <a:pPr marL="0" lvl="0" indent="0" algn="ctr" defTabSz="488950">
+          <a:pPr marL="0" lvl="0" indent="0" algn="ctr" defTabSz="444500">
             <a:lnSpc>
               <a:spcPct val="90000"/>
             </a:lnSpc>
@@ -11107,37 +11227,25 @@
             <a:buNone/>
           </a:pPr>
           <a:r>
-            <a:rPr lang="fr-FR" sz="1100" kern="1200"/>
-            <a:t>Vérification de l'existance de ce fichier sur le serveur ftp</a:t>
+            <a:rPr lang="fr-FR" sz="1000" kern="1200"/>
+            <a:t>Lecture de la date de dernière mofication du fichier a envoyé</a:t>
           </a:r>
         </a:p>
       </dsp:txBody>
       <dsp:txXfrm>
-        <a:off x="3983124" y="25373"/>
-        <a:ext cx="1531082" cy="532818"/>
+        <a:off x="3146730" y="0"/>
+        <a:ext cx="957198" cy="617855"/>
       </dsp:txXfrm>
     </dsp:sp>
-  </dsp:spTree>
-</dsp:drawing>
-</file>
-
-<file path=ppt/diagrams/drawing6.xml><?xml version="1.0" encoding="utf-8"?>
-<dsp:drawing xmlns:dgm="http://schemas.openxmlformats.org/drawingml/2006/diagram" xmlns:dsp="http://schemas.microsoft.com/office/drawing/2008/diagram" xmlns:a="http://schemas.openxmlformats.org/drawingml/2006/main">
-  <dsp:spTree>
-    <dsp:nvGrpSpPr>
-      <dsp:cNvPr id="0" name=""/>
-      <dsp:cNvGrpSpPr/>
-    </dsp:nvGrpSpPr>
-    <dsp:grpSpPr/>
-    <dsp:sp modelId="{A29B4B0D-CC97-4621-896C-3A53BFC33E6C}">
+    <dsp:sp modelId="{70F00D4C-2EE3-4A90-A52F-BEEB97DC5C02}">
       <dsp:nvSpPr>
         <dsp:cNvPr id="0" name=""/>
         <dsp:cNvSpPr/>
       </dsp:nvSpPr>
       <dsp:spPr>
         <a:xfrm>
-          <a:off x="1177" y="19644"/>
-          <a:ext cx="1787913" cy="654766"/>
+          <a:off x="4255350" y="26864"/>
+          <a:ext cx="1575053" cy="564126"/>
         </a:xfrm>
         <a:prstGeom prst="chevron">
           <a:avLst/>
@@ -11178,12 +11286,12 @@
         </a:fontRef>
       </dsp:style>
       <dsp:txBody>
-        <a:bodyPr spcFirstLastPara="0" vert="horz" wrap="square" lIns="44006" tIns="14669" rIns="14669" bIns="14669" numCol="1" spcCol="1270" anchor="ctr" anchorCtr="0">
+        <a:bodyPr spcFirstLastPara="0" vert="horz" wrap="square" lIns="40005" tIns="13335" rIns="13335" bIns="13335" numCol="1" spcCol="1270" anchor="ctr" anchorCtr="0">
           <a:noAutofit/>
         </a:bodyPr>
         <a:lstStyle/>
         <a:p>
-          <a:pPr marL="0" lvl="0" indent="0" algn="ctr" defTabSz="488950">
+          <a:pPr marL="0" lvl="0" indent="0" algn="ctr" defTabSz="444500">
             <a:lnSpc>
               <a:spcPct val="90000"/>
             </a:lnSpc>
@@ -11196,25 +11304,37 @@
             <a:buNone/>
           </a:pPr>
           <a:r>
-            <a:rPr lang="fr-FR" sz="1100" kern="1200"/>
-            <a:t>Lecture de la date de création du fichier sur le serveur ftp</a:t>
+            <a:rPr lang="fr-FR" sz="1000" kern="1200"/>
+            <a:t>Vérification de l'existance de ce fichier sur le serveur ftp</a:t>
           </a:r>
         </a:p>
       </dsp:txBody>
       <dsp:txXfrm>
-        <a:off x="328560" y="19644"/>
-        <a:ext cx="1133147" cy="654766"/>
+        <a:off x="4537413" y="26864"/>
+        <a:ext cx="1010927" cy="564126"/>
       </dsp:txXfrm>
     </dsp:sp>
-    <dsp:sp modelId="{1F641C56-2D4A-4426-AFC8-1E1686910024}">
+  </dsp:spTree>
+</dsp:drawing>
+</file>
+
+<file path=ppt/diagrams/drawing6.xml><?xml version="1.0" encoding="utf-8"?>
+<dsp:drawing xmlns:dgm="http://schemas.openxmlformats.org/drawingml/2006/diagram" xmlns:dsp="http://schemas.microsoft.com/office/drawing/2008/diagram" xmlns:a="http://schemas.openxmlformats.org/drawingml/2006/main">
+  <dsp:spTree>
+    <dsp:nvGrpSpPr>
+      <dsp:cNvPr id="0" name=""/>
+      <dsp:cNvGrpSpPr/>
+    </dsp:nvGrpSpPr>
+    <dsp:grpSpPr/>
+    <dsp:sp modelId="{0E065F68-7715-4F1D-8A27-C2C55EB5B156}">
       <dsp:nvSpPr>
         <dsp:cNvPr id="0" name=""/>
         <dsp:cNvSpPr/>
       </dsp:nvSpPr>
       <dsp:spPr>
         <a:xfrm>
-          <a:off x="1641849" y="52543"/>
-          <a:ext cx="1472418" cy="588967"/>
+          <a:off x="1474" y="60779"/>
+          <a:ext cx="1312684" cy="525073"/>
         </a:xfrm>
         <a:prstGeom prst="chevron">
           <a:avLst/>
@@ -11255,12 +11375,12 @@
         </a:fontRef>
       </dsp:style>
       <dsp:txBody>
-        <a:bodyPr spcFirstLastPara="0" vert="horz" wrap="square" lIns="44006" tIns="14669" rIns="14669" bIns="14669" numCol="1" spcCol="1270" anchor="ctr" anchorCtr="0">
+        <a:bodyPr spcFirstLastPara="0" vert="horz" wrap="square" lIns="40005" tIns="13335" rIns="13335" bIns="13335" numCol="1" spcCol="1270" anchor="ctr" anchorCtr="0">
           <a:noAutofit/>
         </a:bodyPr>
         <a:lstStyle/>
         <a:p>
-          <a:pPr marL="0" lvl="0" indent="0" algn="ctr" defTabSz="488950">
+          <a:pPr marL="0" lvl="0" indent="0" algn="ctr" defTabSz="444500">
             <a:lnSpc>
               <a:spcPct val="90000"/>
             </a:lnSpc>
@@ -11273,25 +11393,25 @@
             <a:buNone/>
           </a:pPr>
           <a:r>
-            <a:rPr lang="fr-FR" sz="1100" kern="1200"/>
-            <a:t>Lecture du fichier</a:t>
+            <a:rPr lang="fr-FR" sz="1000" kern="1200"/>
+            <a:t>Insertion en base de données</a:t>
           </a:r>
         </a:p>
       </dsp:txBody>
       <dsp:txXfrm>
-        <a:off x="1936333" y="52543"/>
-        <a:ext cx="883451" cy="588967"/>
+        <a:off x="264011" y="60779"/>
+        <a:ext cx="787611" cy="525073"/>
       </dsp:txXfrm>
     </dsp:sp>
-    <dsp:sp modelId="{43934239-2374-4CAF-AFB2-C180AC06BB1F}">
+    <dsp:sp modelId="{1F641C56-2D4A-4426-AFC8-1E1686910024}">
       <dsp:nvSpPr>
         <dsp:cNvPr id="0" name=""/>
         <dsp:cNvSpPr/>
       </dsp:nvSpPr>
       <dsp:spPr>
         <a:xfrm>
-          <a:off x="2967026" y="52543"/>
-          <a:ext cx="1472418" cy="588967"/>
+          <a:off x="1182891" y="60779"/>
+          <a:ext cx="1312684" cy="525073"/>
         </a:xfrm>
         <a:prstGeom prst="chevron">
           <a:avLst/>
@@ -11332,12 +11452,12 @@
         </a:fontRef>
       </dsp:style>
       <dsp:txBody>
-        <a:bodyPr spcFirstLastPara="0" vert="horz" wrap="square" lIns="44006" tIns="14669" rIns="14669" bIns="14669" numCol="1" spcCol="1270" anchor="ctr" anchorCtr="0">
+        <a:bodyPr spcFirstLastPara="0" vert="horz" wrap="square" lIns="40005" tIns="13335" rIns="13335" bIns="13335" numCol="1" spcCol="1270" anchor="ctr" anchorCtr="0">
           <a:noAutofit/>
         </a:bodyPr>
         <a:lstStyle/>
         <a:p>
-          <a:pPr marL="0" lvl="0" indent="0" algn="ctr" defTabSz="488950">
+          <a:pPr marL="0" lvl="0" indent="0" algn="ctr" defTabSz="444500">
             <a:lnSpc>
               <a:spcPct val="90000"/>
             </a:lnSpc>
@@ -11350,25 +11470,25 @@
             <a:buNone/>
           </a:pPr>
           <a:r>
-            <a:rPr lang="fr-FR" sz="1100" kern="1200"/>
-            <a:t>Chiffrement du contenu du fichier</a:t>
+            <a:rPr lang="fr-FR" sz="1000" kern="1200"/>
+            <a:t>Lecture du fichier a envoyé</a:t>
           </a:r>
         </a:p>
       </dsp:txBody>
       <dsp:txXfrm>
-        <a:off x="3261510" y="52543"/>
-        <a:ext cx="883451" cy="588967"/>
+        <a:off x="1445428" y="60779"/>
+        <a:ext cx="787611" cy="525073"/>
       </dsp:txXfrm>
     </dsp:sp>
-    <dsp:sp modelId="{F092ECD4-CDA6-4D6B-8229-8734B2D51B37}">
+    <dsp:sp modelId="{34B9ABDE-DD09-4850-961E-3B01718BB693}">
       <dsp:nvSpPr>
         <dsp:cNvPr id="0" name=""/>
         <dsp:cNvSpPr/>
       </dsp:nvSpPr>
       <dsp:spPr>
         <a:xfrm>
-          <a:off x="4292203" y="52543"/>
-          <a:ext cx="1472418" cy="588967"/>
+          <a:off x="2364307" y="60779"/>
+          <a:ext cx="1312684" cy="525073"/>
         </a:xfrm>
         <a:prstGeom prst="chevron">
           <a:avLst/>
@@ -11409,12 +11529,12 @@
         </a:fontRef>
       </dsp:style>
       <dsp:txBody>
-        <a:bodyPr spcFirstLastPara="0" vert="horz" wrap="square" lIns="44006" tIns="14669" rIns="14669" bIns="14669" numCol="1" spcCol="1270" anchor="ctr" anchorCtr="0">
+        <a:bodyPr spcFirstLastPara="0" vert="horz" wrap="square" lIns="40005" tIns="13335" rIns="13335" bIns="13335" numCol="1" spcCol="1270" anchor="ctr" anchorCtr="0">
           <a:noAutofit/>
         </a:bodyPr>
         <a:lstStyle/>
         <a:p>
-          <a:pPr marL="0" lvl="0" indent="0" algn="ctr" defTabSz="488950">
+          <a:pPr marL="0" lvl="0" indent="0" algn="ctr" defTabSz="444500">
             <a:lnSpc>
               <a:spcPct val="90000"/>
             </a:lnSpc>
@@ -11427,14 +11547,168 @@
             <a:buNone/>
           </a:pPr>
           <a:r>
-            <a:rPr lang="fr-FR" sz="1100" kern="1200"/>
+            <a:rPr lang="fr-FR" sz="1000" kern="1200"/>
+            <a:t>Chiffrement du contenu du fichier</a:t>
+          </a:r>
+        </a:p>
+      </dsp:txBody>
+      <dsp:txXfrm>
+        <a:off x="2626844" y="60779"/>
+        <a:ext cx="787611" cy="525073"/>
+      </dsp:txXfrm>
+    </dsp:sp>
+    <dsp:sp modelId="{ECF83481-C307-4753-96B3-6083E9EC6C0B}">
+      <dsp:nvSpPr>
+        <dsp:cNvPr id="0" name=""/>
+        <dsp:cNvSpPr/>
+      </dsp:nvSpPr>
+      <dsp:spPr>
+        <a:xfrm>
+          <a:off x="3545723" y="60779"/>
+          <a:ext cx="1312684" cy="525073"/>
+        </a:xfrm>
+        <a:prstGeom prst="chevron">
+          <a:avLst/>
+        </a:prstGeom>
+        <a:solidFill>
+          <a:schemeClr val="dk2">
+            <a:hueOff val="0"/>
+            <a:satOff val="0"/>
+            <a:lumOff val="0"/>
+            <a:alphaOff val="0"/>
+          </a:schemeClr>
+        </a:solidFill>
+        <a:ln w="19050" cap="flat" cmpd="sng" algn="ctr">
+          <a:solidFill>
+            <a:schemeClr val="lt2">
+              <a:hueOff val="0"/>
+              <a:satOff val="0"/>
+              <a:lumOff val="0"/>
+              <a:alphaOff val="0"/>
+            </a:schemeClr>
+          </a:solidFill>
+          <a:prstDash val="solid"/>
+        </a:ln>
+        <a:effectLst/>
+      </dsp:spPr>
+      <dsp:style>
+        <a:lnRef idx="2">
+          <a:scrgbClr r="0" g="0" b="0"/>
+        </a:lnRef>
+        <a:fillRef idx="1">
+          <a:scrgbClr r="0" g="0" b="0"/>
+        </a:fillRef>
+        <a:effectRef idx="0">
+          <a:scrgbClr r="0" g="0" b="0"/>
+        </a:effectRef>
+        <a:fontRef idx="minor">
+          <a:schemeClr val="lt1"/>
+        </a:fontRef>
+      </dsp:style>
+      <dsp:txBody>
+        <a:bodyPr spcFirstLastPara="0" vert="horz" wrap="square" lIns="40005" tIns="13335" rIns="13335" bIns="13335" numCol="1" spcCol="1270" anchor="ctr" anchorCtr="0">
+          <a:noAutofit/>
+        </a:bodyPr>
+        <a:lstStyle/>
+        <a:p>
+          <a:pPr marL="0" lvl="0" indent="0" algn="ctr" defTabSz="444500">
+            <a:lnSpc>
+              <a:spcPct val="90000"/>
+            </a:lnSpc>
+            <a:spcBef>
+              <a:spcPct val="0"/>
+            </a:spcBef>
+            <a:spcAft>
+              <a:spcPct val="35000"/>
+            </a:spcAft>
+            <a:buNone/>
+          </a:pPr>
+          <a:r>
+            <a:rPr lang="fr-FR" sz="1000" kern="1200"/>
+            <a:t>Création du fichier temporaire</a:t>
+          </a:r>
+        </a:p>
+      </dsp:txBody>
+      <dsp:txXfrm>
+        <a:off x="3808260" y="60779"/>
+        <a:ext cx="787611" cy="525073"/>
+      </dsp:txXfrm>
+    </dsp:sp>
+    <dsp:sp modelId="{F092ECD4-CDA6-4D6B-8229-8734B2D51B37}">
+      <dsp:nvSpPr>
+        <dsp:cNvPr id="0" name=""/>
+        <dsp:cNvSpPr/>
+      </dsp:nvSpPr>
+      <dsp:spPr>
+        <a:xfrm>
+          <a:off x="4727140" y="60779"/>
+          <a:ext cx="1312684" cy="525073"/>
+        </a:xfrm>
+        <a:prstGeom prst="chevron">
+          <a:avLst/>
+        </a:prstGeom>
+        <a:solidFill>
+          <a:schemeClr val="dk2">
+            <a:hueOff val="0"/>
+            <a:satOff val="0"/>
+            <a:lumOff val="0"/>
+            <a:alphaOff val="0"/>
+          </a:schemeClr>
+        </a:solidFill>
+        <a:ln w="19050" cap="flat" cmpd="sng" algn="ctr">
+          <a:solidFill>
+            <a:schemeClr val="lt2">
+              <a:hueOff val="0"/>
+              <a:satOff val="0"/>
+              <a:lumOff val="0"/>
+              <a:alphaOff val="0"/>
+            </a:schemeClr>
+          </a:solidFill>
+          <a:prstDash val="solid"/>
+        </a:ln>
+        <a:effectLst/>
+      </dsp:spPr>
+      <dsp:style>
+        <a:lnRef idx="2">
+          <a:scrgbClr r="0" g="0" b="0"/>
+        </a:lnRef>
+        <a:fillRef idx="1">
+          <a:scrgbClr r="0" g="0" b="0"/>
+        </a:fillRef>
+        <a:effectRef idx="0">
+          <a:scrgbClr r="0" g="0" b="0"/>
+        </a:effectRef>
+        <a:fontRef idx="minor">
+          <a:schemeClr val="lt1"/>
+        </a:fontRef>
+      </dsp:style>
+      <dsp:txBody>
+        <a:bodyPr spcFirstLastPara="0" vert="horz" wrap="square" lIns="40005" tIns="13335" rIns="13335" bIns="13335" numCol="1" spcCol="1270" anchor="ctr" anchorCtr="0">
+          <a:noAutofit/>
+        </a:bodyPr>
+        <a:lstStyle/>
+        <a:p>
+          <a:pPr marL="0" lvl="0" indent="0" algn="ctr" defTabSz="444500">
+            <a:lnSpc>
+              <a:spcPct val="90000"/>
+            </a:lnSpc>
+            <a:spcBef>
+              <a:spcPct val="0"/>
+            </a:spcBef>
+            <a:spcAft>
+              <a:spcPct val="35000"/>
+            </a:spcAft>
+            <a:buNone/>
+          </a:pPr>
+          <a:r>
+            <a:rPr lang="fr-FR" sz="1000" kern="1200"/>
             <a:t>Envoie du fichier au serveur ftp</a:t>
           </a:r>
         </a:p>
       </dsp:txBody>
       <dsp:txXfrm>
-        <a:off x="4586687" y="52543"/>
-        <a:ext cx="883451" cy="588967"/>
+        <a:off x="4989677" y="60779"/>
+        <a:ext cx="787611" cy="525073"/>
       </dsp:txXfrm>
     </dsp:sp>
   </dsp:spTree>
@@ -22822,7 +23096,7 @@
           <a:p>
             <a:fld id="{0DBFBFCC-0E31-48A0-A880-072F6899D1D6}" type="datetimeFigureOut">
               <a:rPr lang="en-US"/>
-              <a:t>5/12/2016</a:t>
+              <a:t>5/13/2016</a:t>
             </a:fld>
             <a:endParaRPr/>
           </a:p>
@@ -22987,7 +23261,7 @@
           <a:p>
             <a:fld id="{91CF6D1E-3C8D-4917-BE0E-512A8CBFBE38}" type="datetimeFigureOut">
               <a:rPr lang="en-US"/>
-              <a:t>5/12/2016</a:t>
+              <a:t>5/13/2016</a:t>
             </a:fld>
             <a:endParaRPr/>
           </a:p>
@@ -23396,7 +23670,7 @@
           <a:p>
             <a:fld id="{A8224893-DBDA-4BFA-9CE1-4BFE7CD0F8CF}" type="datetime1">
               <a:rPr lang="en-US"/>
-              <a:t>5/12/2016</a:t>
+              <a:t>5/13/2016</a:t>
             </a:fld>
             <a:endParaRPr/>
           </a:p>
@@ -23566,7 +23840,7 @@
           <a:p>
             <a:fld id="{5F4E5243-F52A-4D37-9694-EB26C6C31910}" type="datetime1">
               <a:rPr lang="en-US"/>
-              <a:t>5/12/2016</a:t>
+              <a:t>5/13/2016</a:t>
             </a:fld>
             <a:endParaRPr/>
           </a:p>
@@ -23746,7 +24020,7 @@
           <a:p>
             <a:fld id="{3A77B6E1-634A-48DC-9E8B-D894023267EF}" type="datetime1">
               <a:rPr lang="en-US"/>
-              <a:t>5/12/2016</a:t>
+              <a:t>5/13/2016</a:t>
             </a:fld>
             <a:endParaRPr/>
           </a:p>
@@ -23916,7 +24190,7 @@
           <a:p>
             <a:fld id="{7B2D3E9E-A95C-48F2-B4BF-A71542E0BE9A}" type="datetime1">
               <a:rPr lang="en-US"/>
-              <a:t>5/12/2016</a:t>
+              <a:t>5/13/2016</a:t>
             </a:fld>
             <a:endParaRPr/>
           </a:p>
@@ -24167,7 +24441,7 @@
           <a:p>
             <a:fld id="{A50F84E2-2D7A-43CF-AC90-352A289A783A}" type="datetime1">
               <a:rPr lang="en-US"/>
-              <a:t>5/12/2016</a:t>
+              <a:t>5/13/2016</a:t>
             </a:fld>
             <a:endParaRPr/>
           </a:p>
@@ -24455,7 +24729,7 @@
           <a:p>
             <a:fld id="{F12952B5-7A2F-4CC8-B7CE-9234E21C2837}" type="datetime1">
               <a:rPr lang="en-US"/>
-              <a:t>5/12/2016</a:t>
+              <a:t>5/13/2016</a:t>
             </a:fld>
             <a:endParaRPr/>
           </a:p>
@@ -24852,7 +25126,7 @@
           <a:p>
             <a:fld id="{CE1DA07A-9201-4B4B-BAF2-015AFA30F520}" type="datetime1">
               <a:rPr lang="en-US"/>
-              <a:t>5/12/2016</a:t>
+              <a:t>5/13/2016</a:t>
             </a:fld>
             <a:endParaRPr/>
           </a:p>
@@ -24970,7 +25244,7 @@
           <a:p>
             <a:fld id="{73D7E00A-486F-4252-8B1D-E32645521F49}" type="datetime1">
               <a:rPr lang="en-US"/>
-              <a:t>5/12/2016</a:t>
+              <a:t>5/13/2016</a:t>
             </a:fld>
             <a:endParaRPr/>
           </a:p>
@@ -25088,7 +25362,7 @@
           <a:p>
             <a:fld id="{8DDF5F92-E675-4B36-9A60-69A962A68675}" type="datetime1">
               <a:rPr lang="en-US"/>
-              <a:t>5/12/2016</a:t>
+              <a:t>5/13/2016</a:t>
             </a:fld>
             <a:endParaRPr/>
           </a:p>
@@ -25372,7 +25646,7 @@
           <a:p>
             <a:fld id="{AF6E2C9B-5FA2-460D-9BE7-B0812FC2A6FF}" type="datetime1">
               <a:rPr lang="en-US"/>
-              <a:t>5/12/2016</a:t>
+              <a:t>5/13/2016</a:t>
             </a:fld>
             <a:endParaRPr/>
           </a:p>
@@ -25636,7 +25910,7 @@
           <a:p>
             <a:fld id="{1D374940-A916-4C8B-9648-02A2D3898F9E}" type="datetime1">
               <a:rPr lang="en-US"/>
-              <a:t>5/12/2016</a:t>
+              <a:t>5/13/2016</a:t>
             </a:fld>
             <a:endParaRPr/>
           </a:p>
@@ -25850,7 +26124,7 @@
           <a:p>
             <a:fld id="{5586B75A-687E-405C-8A0B-8D00578BA2C3}" type="datetime1">
               <a:rPr lang="en-US"/>
-              <a:t>5/12/2016</a:t>
+              <a:t>5/13/2016</a:t>
             </a:fld>
             <a:endParaRPr/>
           </a:p>
@@ -26433,7 +26707,7 @@
         <p:spPr>
           <a:xfrm>
             <a:off x="1428206" y="1909612"/>
-            <a:ext cx="6174377" cy="424732"/>
+            <a:ext cx="7802880" cy="424732"/>
           </a:xfrm>
           <a:prstGeom prst="rect">
             <a:avLst/>
@@ -26462,7 +26736,7 @@
                 <a:ea typeface="Cambria" panose="02040503050406030204" pitchFamily="18" charset="0"/>
                 <a:cs typeface="Angsana New"/>
               </a:rPr>
-              <a:t>Gérer le fichier de configuration via l’application mobile</a:t>
+              <a:t>Gérer le fichier de configuration et de connexion via l’application mobile</a:t>
             </a:r>
             <a:endParaRPr lang="fr-FR" kern="1000" dirty="0">
               <a:latin typeface="Cambria" panose="02040503050406030204" pitchFamily="18" charset="0"/>
@@ -26524,21 +26798,85 @@
       </p:sp>
       <p:sp>
         <p:nvSpPr>
-          <p:cNvPr id="6" name="Rectangle 5"/>
+          <p:cNvPr id="2" name="Rectangle 1"/>
           <p:cNvSpPr/>
           <p:nvPr/>
         </p:nvSpPr>
         <p:spPr>
           <a:xfrm>
-            <a:off x="1428206" y="3592677"/>
-            <a:ext cx="6174377" cy="369332"/>
+            <a:off x="1428206" y="3431467"/>
+            <a:ext cx="4132413" cy="394147"/>
           </a:xfrm>
           <a:prstGeom prst="rect">
             <a:avLst/>
           </a:prstGeom>
         </p:spPr>
         <p:txBody>
-          <a:bodyPr wrap="square">
+          <a:bodyPr wrap="none">
+            <a:spAutoFit/>
+          </a:bodyPr>
+          <a:lstStyle/>
+          <a:p>
+            <a:pPr lvl="0" algn="just">
+              <a:lnSpc>
+                <a:spcPct val="120000"/>
+              </a:lnSpc>
+              <a:spcBef>
+                <a:spcPts val="200"/>
+              </a:spcBef>
+              <a:spcAft>
+                <a:spcPts val="800"/>
+              </a:spcAft>
+            </a:pPr>
+            <a:r>
+              <a:rPr lang="fr-FR" b="1" kern="1000" dirty="0">
+                <a:latin typeface="Cambria" panose="02040503050406030204" pitchFamily="18" charset="0"/>
+                <a:ea typeface="Cambria" panose="02040503050406030204" pitchFamily="18" charset="0"/>
+                <a:cs typeface="Angsana New"/>
+              </a:rPr>
+              <a:t>Gérer</a:t>
+            </a:r>
+            <a:r>
+              <a:rPr lang="fr-FR" kern="1000" dirty="0">
+                <a:latin typeface="Cambria" panose="02040503050406030204" pitchFamily="18" charset="0"/>
+                <a:ea typeface="Cambria" panose="02040503050406030204" pitchFamily="18" charset="0"/>
+                <a:cs typeface="Angsana New"/>
+              </a:rPr>
+              <a:t> la </a:t>
+            </a:r>
+            <a:r>
+              <a:rPr lang="fr-FR" b="1" kern="1000" dirty="0">
+                <a:latin typeface="Cambria" panose="02040503050406030204" pitchFamily="18" charset="0"/>
+                <a:ea typeface="Cambria" panose="02040503050406030204" pitchFamily="18" charset="0"/>
+                <a:cs typeface="Angsana New"/>
+              </a:rPr>
+              <a:t>synchronisation des dossiers</a:t>
+            </a:r>
+            <a:endParaRPr lang="fr-FR" kern="1000" dirty="0">
+              <a:latin typeface="Cambria" panose="02040503050406030204" pitchFamily="18" charset="0"/>
+              <a:ea typeface="Cambria" panose="02040503050406030204" pitchFamily="18" charset="0"/>
+              <a:cs typeface="Angsana New"/>
+            </a:endParaRPr>
+          </a:p>
+        </p:txBody>
+      </p:sp>
+      <p:sp>
+        <p:nvSpPr>
+          <p:cNvPr id="7" name="Rectangle 6"/>
+          <p:cNvSpPr/>
+          <p:nvPr/>
+        </p:nvSpPr>
+        <p:spPr>
+          <a:xfrm>
+            <a:off x="1428206" y="4051010"/>
+            <a:ext cx="4595745" cy="369332"/>
+          </a:xfrm>
+          <a:prstGeom prst="rect">
+            <a:avLst/>
+          </a:prstGeom>
+        </p:spPr>
+        <p:txBody>
+          <a:bodyPr wrap="none">
             <a:spAutoFit/>
           </a:bodyPr>
           <a:lstStyle/>
@@ -26549,7 +26887,31 @@
                 <a:ea typeface="Cambria" panose="02040503050406030204" pitchFamily="18" charset="0"/>
                 <a:cs typeface="Angsana New"/>
               </a:rPr>
-              <a:t>Gérer le fichier de connexion via l’application mobile</a:t>
+              <a:t>Gérer la suppression</a:t>
+            </a:r>
+            <a:r>
+              <a:rPr lang="fr-FR" kern="1000" dirty="0">
+                <a:latin typeface="Cambria" panose="02040503050406030204" pitchFamily="18" charset="0"/>
+                <a:ea typeface="Cambria" panose="02040503050406030204" pitchFamily="18" charset="0"/>
+                <a:cs typeface="Angsana New"/>
+              </a:rPr>
+              <a:t> </a:t>
+            </a:r>
+            <a:r>
+              <a:rPr lang="fr-FR" b="1" kern="1000" dirty="0">
+                <a:latin typeface="Cambria" panose="02040503050406030204" pitchFamily="18" charset="0"/>
+                <a:ea typeface="Cambria" panose="02040503050406030204" pitchFamily="18" charset="0"/>
+                <a:cs typeface="Angsana New"/>
+              </a:rPr>
+              <a:t>des fichiers scannés</a:t>
+            </a:r>
+            <a:r>
+              <a:rPr lang="fr-FR" kern="1000" dirty="0">
+                <a:latin typeface="Cambria" panose="02040503050406030204" pitchFamily="18" charset="0"/>
+                <a:ea typeface="Cambria" panose="02040503050406030204" pitchFamily="18" charset="0"/>
+                <a:cs typeface="Angsana New"/>
+              </a:rPr>
+              <a:t> </a:t>
             </a:r>
             <a:endParaRPr lang="fr-FR" dirty="0"/>
           </a:p>
@@ -27331,7 +27693,7 @@
                   <a:srgbClr val="81B000"/>
                 </a:solidFill>
               </a:rPr>
-              <a:t>La stratégie de surveillance des fichiers/répertoires</a:t>
+              <a:t>La stratégie de surveillance des fichiers</a:t>
             </a:r>
             <a:endParaRPr lang="fr-FR" sz="2000" spc="-30" noProof="1"/>
           </a:p>
@@ -27344,7 +27706,7 @@
           <p:nvPr>
             <p:extLst>
               <p:ext uri="{D42A27DB-BD31-4B8C-83A1-F6EECF244321}">
-                <p14:modId xmlns:p14="http://schemas.microsoft.com/office/powerpoint/2010/main" val="1958486427"/>
+                <p14:modId xmlns:p14="http://schemas.microsoft.com/office/powerpoint/2010/main" val="4240276417"/>
               </p:ext>
             </p:extLst>
           </p:nvPr>
@@ -27412,26 +27774,26 @@
           <a:p>
             <a:r>
               <a:rPr lang="fr-FR" dirty="0"/>
-              <a:t>La surveillance des fichiers/répertoires</a:t>
+              <a:t>La surveillance des fichiers</a:t>
             </a:r>
           </a:p>
         </p:txBody>
       </p:sp>
       <p:graphicFrame>
         <p:nvGraphicFramePr>
-          <p:cNvPr id="7" name="Diagramme 6"/>
+          <p:cNvPr id="9" name="Diagramme 8"/>
           <p:cNvGraphicFramePr/>
           <p:nvPr>
             <p:extLst>
               <p:ext uri="{D42A27DB-BD31-4B8C-83A1-F6EECF244321}">
-                <p14:modId xmlns:p14="http://schemas.microsoft.com/office/powerpoint/2010/main" val="4091690278"/>
+                <p14:modId xmlns:p14="http://schemas.microsoft.com/office/powerpoint/2010/main" val="2878056738"/>
               </p:ext>
             </p:extLst>
           </p:nvPr>
         </p:nvGraphicFramePr>
         <p:xfrm>
-          <a:off x="5451656" y="2414405"/>
-          <a:ext cx="5782310" cy="583565"/>
+          <a:off x="5384346" y="2346384"/>
+          <a:ext cx="5833110" cy="617855"/>
         </p:xfrm>
         <a:graphic>
           <a:graphicData uri="http://schemas.openxmlformats.org/drawingml/2006/diagram">
@@ -27441,19 +27803,19 @@
       </p:graphicFrame>
       <p:graphicFrame>
         <p:nvGraphicFramePr>
-          <p:cNvPr id="8" name="Diagramme 7"/>
+          <p:cNvPr id="13" name="Diagramme 12"/>
           <p:cNvGraphicFramePr/>
           <p:nvPr>
             <p:extLst>
               <p:ext uri="{D42A27DB-BD31-4B8C-83A1-F6EECF244321}">
-                <p14:modId xmlns:p14="http://schemas.microsoft.com/office/powerpoint/2010/main" val="2903891141"/>
+                <p14:modId xmlns:p14="http://schemas.microsoft.com/office/powerpoint/2010/main" val="1603069136"/>
               </p:ext>
             </p:extLst>
           </p:nvPr>
         </p:nvGraphicFramePr>
         <p:xfrm>
-          <a:off x="5451656" y="3373723"/>
-          <a:ext cx="5765800" cy="694055"/>
+          <a:off x="5384346" y="3516065"/>
+          <a:ext cx="6041300" cy="646632"/>
         </p:xfrm>
         <a:graphic>
           <a:graphicData uri="http://schemas.openxmlformats.org/drawingml/2006/diagram">

--- a/Documentation/Cahier technique/AMAsafeguard.pptx
+++ b/Documentation/Cahier technique/AMAsafeguard.pptx
@@ -5893,6 +5893,13 @@
         </dgm:presLayoutVars>
       </dgm:prSet>
       <dgm:spPr/>
+      <dgm:t>
+        <a:bodyPr/>
+        <a:lstStyle/>
+        <a:p>
+          <a:endParaRPr lang="fr-FR"/>
+        </a:p>
+      </dgm:t>
     </dgm:pt>
     <dgm:pt modelId="{11C531AF-9822-4929-92B5-1D0C77376F7F}" type="pres">
       <dgm:prSet presAssocID="{37E90785-996C-4D70-A7A5-28BA811B1EAF}" presName="parTxOnlySpace" presStyleCnt="0"/>
@@ -5907,6 +5914,13 @@
         </dgm:presLayoutVars>
       </dgm:prSet>
       <dgm:spPr/>
+      <dgm:t>
+        <a:bodyPr/>
+        <a:lstStyle/>
+        <a:p>
+          <a:endParaRPr lang="fr-FR"/>
+        </a:p>
+      </dgm:t>
     </dgm:pt>
     <dgm:pt modelId="{5901F587-F013-4DC7-959E-25826567DEB5}" type="pres">
       <dgm:prSet presAssocID="{713B6BBB-4706-4983-B1F8-59CDAA6BCD40}" presName="parTxOnlySpace" presStyleCnt="0"/>
@@ -5921,6 +5935,13 @@
         </dgm:presLayoutVars>
       </dgm:prSet>
       <dgm:spPr/>
+      <dgm:t>
+        <a:bodyPr/>
+        <a:lstStyle/>
+        <a:p>
+          <a:endParaRPr lang="fr-FR"/>
+        </a:p>
+      </dgm:t>
     </dgm:pt>
     <dgm:pt modelId="{F8BBCE18-9EFC-40DE-9736-559123F71BDA}" type="pres">
       <dgm:prSet presAssocID="{8708459F-494C-4BA2-8073-4558EB894D7F}" presName="parTxOnlySpace" presStyleCnt="0"/>
@@ -5935,6 +5956,13 @@
         </dgm:presLayoutVars>
       </dgm:prSet>
       <dgm:spPr/>
+      <dgm:t>
+        <a:bodyPr/>
+        <a:lstStyle/>
+        <a:p>
+          <a:endParaRPr lang="fr-FR"/>
+        </a:p>
+      </dgm:t>
     </dgm:pt>
     <dgm:pt modelId="{E0BB6C89-7AF4-4FC7-A652-94659750084D}" type="pres">
       <dgm:prSet presAssocID="{E3BD8586-81C0-48FE-AA63-DFB54F2A10F7}" presName="parTxOnlySpace" presStyleCnt="0"/>
@@ -5949,6 +5977,13 @@
         </dgm:presLayoutVars>
       </dgm:prSet>
       <dgm:spPr/>
+      <dgm:t>
+        <a:bodyPr/>
+        <a:lstStyle/>
+        <a:p>
+          <a:endParaRPr lang="fr-FR"/>
+        </a:p>
+      </dgm:t>
     </dgm:pt>
   </dgm:ptLst>
   <dgm:cxnLst>
@@ -6371,6 +6406,13 @@
         </dgm:presLayoutVars>
       </dgm:prSet>
       <dgm:spPr/>
+      <dgm:t>
+        <a:bodyPr/>
+        <a:lstStyle/>
+        <a:p>
+          <a:endParaRPr lang="fr-FR"/>
+        </a:p>
+      </dgm:t>
     </dgm:pt>
     <dgm:pt modelId="{A53515BC-C113-493A-BDEB-AF237788D9C5}" type="pres">
       <dgm:prSet presAssocID="{3C663207-A7D7-4757-B99B-F93968DE8A40}" presName="Accent1" presStyleCnt="0"/>
@@ -6389,6 +6431,13 @@
         </dgm:presLayoutVars>
       </dgm:prSet>
       <dgm:spPr/>
+      <dgm:t>
+        <a:bodyPr/>
+        <a:lstStyle/>
+        <a:p>
+          <a:endParaRPr lang="fr-FR"/>
+        </a:p>
+      </dgm:t>
     </dgm:pt>
     <dgm:pt modelId="{978EDD41-F20E-4495-B42E-BC8B2A809577}" type="pres">
       <dgm:prSet presAssocID="{3C663207-A7D7-4757-B99B-F93968DE8A40}" presName="Parent1" presStyleLbl="revTx" presStyleIdx="1" presStyleCnt="6">
@@ -6399,6 +6448,13 @@
         </dgm:presLayoutVars>
       </dgm:prSet>
       <dgm:spPr/>
+      <dgm:t>
+        <a:bodyPr/>
+        <a:lstStyle/>
+        <a:p>
+          <a:endParaRPr lang="fr-FR"/>
+        </a:p>
+      </dgm:t>
     </dgm:pt>
     <dgm:pt modelId="{7B3B7771-DD90-4D0E-9BF3-E95A083955C1}" type="pres">
       <dgm:prSet presAssocID="{70FEEDF0-9ED0-4D7F-AB97-F24DEA096723}" presName="Accent2" presStyleCnt="0"/>
@@ -6417,6 +6473,13 @@
         </dgm:presLayoutVars>
       </dgm:prSet>
       <dgm:spPr/>
+      <dgm:t>
+        <a:bodyPr/>
+        <a:lstStyle/>
+        <a:p>
+          <a:endParaRPr lang="fr-FR"/>
+        </a:p>
+      </dgm:t>
     </dgm:pt>
     <dgm:pt modelId="{EF076E76-9785-4254-A443-120608B91CC3}" type="pres">
       <dgm:prSet presAssocID="{70FEEDF0-9ED0-4D7F-AB97-F24DEA096723}" presName="Parent2" presStyleLbl="revTx" presStyleIdx="3" presStyleCnt="6">
@@ -6427,6 +6490,13 @@
         </dgm:presLayoutVars>
       </dgm:prSet>
       <dgm:spPr/>
+      <dgm:t>
+        <a:bodyPr/>
+        <a:lstStyle/>
+        <a:p>
+          <a:endParaRPr lang="fr-FR"/>
+        </a:p>
+      </dgm:t>
     </dgm:pt>
     <dgm:pt modelId="{209D7C13-0A5E-40D2-98BF-8722D62F84DE}" type="pres">
       <dgm:prSet presAssocID="{902514D4-9367-48BD-AB98-415C361E8095}" presName="Accent3" presStyleCnt="0"/>
@@ -6445,6 +6515,13 @@
         </dgm:presLayoutVars>
       </dgm:prSet>
       <dgm:spPr/>
+      <dgm:t>
+        <a:bodyPr/>
+        <a:lstStyle/>
+        <a:p>
+          <a:endParaRPr lang="fr-FR"/>
+        </a:p>
+      </dgm:t>
     </dgm:pt>
     <dgm:pt modelId="{DA2E4B91-C523-4C3D-A850-B30308726875}" type="pres">
       <dgm:prSet presAssocID="{902514D4-9367-48BD-AB98-415C361E8095}" presName="Parent3" presStyleLbl="revTx" presStyleIdx="5" presStyleCnt="6">
@@ -6455,6 +6532,13 @@
         </dgm:presLayoutVars>
       </dgm:prSet>
       <dgm:spPr/>
+      <dgm:t>
+        <a:bodyPr/>
+        <a:lstStyle/>
+        <a:p>
+          <a:endParaRPr lang="fr-FR"/>
+        </a:p>
+      </dgm:t>
     </dgm:pt>
   </dgm:ptLst>
   <dgm:cxnLst>
@@ -6922,6 +7006,13 @@
         </dgm:presLayoutVars>
       </dgm:prSet>
       <dgm:spPr/>
+      <dgm:t>
+        <a:bodyPr/>
+        <a:lstStyle/>
+        <a:p>
+          <a:endParaRPr lang="fr-FR"/>
+        </a:p>
+      </dgm:t>
     </dgm:pt>
     <dgm:pt modelId="{D9306600-E4DC-43B7-BC49-ED2A6E2D85F7}" type="pres">
       <dgm:prSet presAssocID="{B1595570-D604-4071-98AC-8D7F55150572}" presName="firstNode" presStyleLbl="node1" presStyleIdx="0" presStyleCnt="10">
@@ -6930,10 +7021,24 @@
         </dgm:presLayoutVars>
       </dgm:prSet>
       <dgm:spPr/>
+      <dgm:t>
+        <a:bodyPr/>
+        <a:lstStyle/>
+        <a:p>
+          <a:endParaRPr lang="fr-FR"/>
+        </a:p>
+      </dgm:t>
     </dgm:pt>
     <dgm:pt modelId="{BA2BE720-604D-4066-994C-2F5F3B5A47AA}" type="pres">
       <dgm:prSet presAssocID="{DEEBEA1C-EDDE-487A-935C-087E55C24287}" presName="sibTrans" presStyleLbl="sibTrans2D1" presStyleIdx="0" presStyleCnt="9"/>
       <dgm:spPr/>
+      <dgm:t>
+        <a:bodyPr/>
+        <a:lstStyle/>
+        <a:p>
+          <a:endParaRPr lang="fr-FR"/>
+        </a:p>
+      </dgm:t>
     </dgm:pt>
     <dgm:pt modelId="{65A4808E-453D-4FDC-893F-0C9C118FE46C}" type="pres">
       <dgm:prSet presAssocID="{2A75D3BA-EE94-4619-B681-D4DE3CCB8294}" presName="middleNode" presStyleCnt="0"/>
@@ -6950,10 +7055,24 @@
         </dgm:presLayoutVars>
       </dgm:prSet>
       <dgm:spPr/>
+      <dgm:t>
+        <a:bodyPr/>
+        <a:lstStyle/>
+        <a:p>
+          <a:endParaRPr lang="fr-FR"/>
+        </a:p>
+      </dgm:t>
     </dgm:pt>
     <dgm:pt modelId="{CC4EA507-C5F9-4F5D-BFC0-A3F258C74043}" type="pres">
       <dgm:prSet presAssocID="{3EE98FD1-8F99-400D-AD07-A67A3A1458B9}" presName="sibTrans" presStyleLbl="sibTrans2D1" presStyleIdx="1" presStyleCnt="9"/>
       <dgm:spPr/>
+      <dgm:t>
+        <a:bodyPr/>
+        <a:lstStyle/>
+        <a:p>
+          <a:endParaRPr lang="fr-FR"/>
+        </a:p>
+      </dgm:t>
     </dgm:pt>
     <dgm:pt modelId="{47D0EA74-9748-4077-B407-E1C9B47905DE}" type="pres">
       <dgm:prSet presAssocID="{835085B9-60AC-42B5-8AC0-CBC778A25DFF}" presName="middleNode" presStyleCnt="0"/>
@@ -6970,10 +7089,24 @@
         </dgm:presLayoutVars>
       </dgm:prSet>
       <dgm:spPr/>
+      <dgm:t>
+        <a:bodyPr/>
+        <a:lstStyle/>
+        <a:p>
+          <a:endParaRPr lang="fr-FR"/>
+        </a:p>
+      </dgm:t>
     </dgm:pt>
     <dgm:pt modelId="{794B59F7-DC32-4A41-86BD-23100C3408E6}" type="pres">
       <dgm:prSet presAssocID="{AE9415C7-8C0B-4062-BE09-4EABAE753196}" presName="sibTrans" presStyleLbl="sibTrans2D1" presStyleIdx="2" presStyleCnt="9"/>
       <dgm:spPr/>
+      <dgm:t>
+        <a:bodyPr/>
+        <a:lstStyle/>
+        <a:p>
+          <a:endParaRPr lang="fr-FR"/>
+        </a:p>
+      </dgm:t>
     </dgm:pt>
     <dgm:pt modelId="{DAF7E2CA-9EDA-4DBE-8AC7-417166216592}" type="pres">
       <dgm:prSet presAssocID="{21F23C45-BE9F-4CF7-B064-40DB264EC613}" presName="middleNode" presStyleCnt="0"/>
@@ -6990,10 +7123,24 @@
         </dgm:presLayoutVars>
       </dgm:prSet>
       <dgm:spPr/>
+      <dgm:t>
+        <a:bodyPr/>
+        <a:lstStyle/>
+        <a:p>
+          <a:endParaRPr lang="fr-FR"/>
+        </a:p>
+      </dgm:t>
     </dgm:pt>
     <dgm:pt modelId="{7F67EC2B-7440-42DD-8A80-DAC91A63DAFF}" type="pres">
       <dgm:prSet presAssocID="{9ACBF162-A1AB-478A-AC62-1578F7D7801C}" presName="sibTrans" presStyleLbl="sibTrans2D1" presStyleIdx="3" presStyleCnt="9"/>
       <dgm:spPr/>
+      <dgm:t>
+        <a:bodyPr/>
+        <a:lstStyle/>
+        <a:p>
+          <a:endParaRPr lang="fr-FR"/>
+        </a:p>
+      </dgm:t>
     </dgm:pt>
     <dgm:pt modelId="{81C7126E-AE01-450A-A40C-656FEED74410}" type="pres">
       <dgm:prSet presAssocID="{9E2A8753-D879-43CA-90AF-BED96816993E}" presName="middleNode" presStyleCnt="0"/>
@@ -7010,10 +7157,24 @@
         </dgm:presLayoutVars>
       </dgm:prSet>
       <dgm:spPr/>
+      <dgm:t>
+        <a:bodyPr/>
+        <a:lstStyle/>
+        <a:p>
+          <a:endParaRPr lang="fr-FR"/>
+        </a:p>
+      </dgm:t>
     </dgm:pt>
     <dgm:pt modelId="{B5AB434F-75F2-43B8-BA3B-62FC2684BBC5}" type="pres">
       <dgm:prSet presAssocID="{CD06B3D5-E328-4DEE-9E64-055EF3783BCC}" presName="sibTrans" presStyleLbl="sibTrans2D1" presStyleIdx="4" presStyleCnt="9"/>
       <dgm:spPr/>
+      <dgm:t>
+        <a:bodyPr/>
+        <a:lstStyle/>
+        <a:p>
+          <a:endParaRPr lang="fr-FR"/>
+        </a:p>
+      </dgm:t>
     </dgm:pt>
     <dgm:pt modelId="{8C321DDF-542A-4A34-A48F-140EEEF2D26B}" type="pres">
       <dgm:prSet presAssocID="{789C9D1C-39AE-411B-9350-14CC0037A109}" presName="middleNode" presStyleCnt="0"/>
@@ -7030,10 +7191,24 @@
         </dgm:presLayoutVars>
       </dgm:prSet>
       <dgm:spPr/>
+      <dgm:t>
+        <a:bodyPr/>
+        <a:lstStyle/>
+        <a:p>
+          <a:endParaRPr lang="fr-FR"/>
+        </a:p>
+      </dgm:t>
     </dgm:pt>
     <dgm:pt modelId="{220362B4-03F4-4EF1-A975-EF82F0E512D2}" type="pres">
       <dgm:prSet presAssocID="{4798F768-A1B8-4DE4-839F-FF23F4AD7C41}" presName="sibTrans" presStyleLbl="sibTrans2D1" presStyleIdx="5" presStyleCnt="9"/>
       <dgm:spPr/>
+      <dgm:t>
+        <a:bodyPr/>
+        <a:lstStyle/>
+        <a:p>
+          <a:endParaRPr lang="fr-FR"/>
+        </a:p>
+      </dgm:t>
     </dgm:pt>
     <dgm:pt modelId="{6E4B06AC-95AE-4318-84BD-B63A9559851F}" type="pres">
       <dgm:prSet presAssocID="{370BB885-5F63-452D-B601-028432A0C077}" presName="middleNode" presStyleCnt="0"/>
@@ -7050,10 +7225,24 @@
         </dgm:presLayoutVars>
       </dgm:prSet>
       <dgm:spPr/>
+      <dgm:t>
+        <a:bodyPr/>
+        <a:lstStyle/>
+        <a:p>
+          <a:endParaRPr lang="fr-FR"/>
+        </a:p>
+      </dgm:t>
     </dgm:pt>
     <dgm:pt modelId="{DBF652DE-864D-4A82-A1F3-DA2792DE0A17}" type="pres">
       <dgm:prSet presAssocID="{8E3C3F74-5DF8-451E-9A57-56665E5DCD45}" presName="sibTrans" presStyleLbl="sibTrans2D1" presStyleIdx="6" presStyleCnt="9"/>
       <dgm:spPr/>
+      <dgm:t>
+        <a:bodyPr/>
+        <a:lstStyle/>
+        <a:p>
+          <a:endParaRPr lang="fr-FR"/>
+        </a:p>
+      </dgm:t>
     </dgm:pt>
     <dgm:pt modelId="{D680103D-AF84-4392-B581-062D9BE966DC}" type="pres">
       <dgm:prSet presAssocID="{A902DBFE-AE91-41B4-907E-6B07C6EA2DD4}" presName="middleNode" presStyleCnt="0"/>
@@ -7070,10 +7259,24 @@
         </dgm:presLayoutVars>
       </dgm:prSet>
       <dgm:spPr/>
+      <dgm:t>
+        <a:bodyPr/>
+        <a:lstStyle/>
+        <a:p>
+          <a:endParaRPr lang="fr-FR"/>
+        </a:p>
+      </dgm:t>
     </dgm:pt>
     <dgm:pt modelId="{BCC4E7C7-EA43-4DB6-A1F0-5544DB8C4F16}" type="pres">
       <dgm:prSet presAssocID="{307B7D60-F9C5-4B33-9C2E-C5F34E257681}" presName="sibTrans" presStyleLbl="sibTrans2D1" presStyleIdx="7" presStyleCnt="9"/>
       <dgm:spPr/>
+      <dgm:t>
+        <a:bodyPr/>
+        <a:lstStyle/>
+        <a:p>
+          <a:endParaRPr lang="fr-FR"/>
+        </a:p>
+      </dgm:t>
     </dgm:pt>
     <dgm:pt modelId="{73C882FE-F3A6-421E-A417-F6F26BAF4921}" type="pres">
       <dgm:prSet presAssocID="{1251D7CD-AFDB-4677-B1FD-093393CA8D8D}" presName="middleNode" presStyleCnt="0"/>
@@ -7090,10 +7293,24 @@
         </dgm:presLayoutVars>
       </dgm:prSet>
       <dgm:spPr/>
+      <dgm:t>
+        <a:bodyPr/>
+        <a:lstStyle/>
+        <a:p>
+          <a:endParaRPr lang="fr-FR"/>
+        </a:p>
+      </dgm:t>
     </dgm:pt>
     <dgm:pt modelId="{49A6C4C3-43F7-4DAF-B04B-B7B21C7E967E}" type="pres">
       <dgm:prSet presAssocID="{A276BD40-C0E4-404F-9F06-AC4F246C7FED}" presName="sibTrans" presStyleLbl="sibTrans2D1" presStyleIdx="8" presStyleCnt="9"/>
       <dgm:spPr/>
+      <dgm:t>
+        <a:bodyPr/>
+        <a:lstStyle/>
+        <a:p>
+          <a:endParaRPr lang="fr-FR"/>
+        </a:p>
+      </dgm:t>
     </dgm:pt>
     <dgm:pt modelId="{2B894D88-05B2-4245-937B-CDDA7F766917}" type="pres">
       <dgm:prSet presAssocID="{637D5CC4-6CF7-48B1-ADC4-8EF3B6578D5A}" presName="lastNode" presStyleLbl="node1" presStyleIdx="9" presStyleCnt="10">
@@ -7102,6 +7319,13 @@
         </dgm:presLayoutVars>
       </dgm:prSet>
       <dgm:spPr/>
+      <dgm:t>
+        <a:bodyPr/>
+        <a:lstStyle/>
+        <a:p>
+          <a:endParaRPr lang="fr-FR"/>
+        </a:p>
+      </dgm:t>
     </dgm:pt>
   </dgm:ptLst>
   <dgm:cxnLst>
@@ -7395,6 +7619,13 @@
         </dgm:presLayoutVars>
       </dgm:prSet>
       <dgm:spPr/>
+      <dgm:t>
+        <a:bodyPr/>
+        <a:lstStyle/>
+        <a:p>
+          <a:endParaRPr lang="fr-FR"/>
+        </a:p>
+      </dgm:t>
     </dgm:pt>
     <dgm:pt modelId="{A01A1E2C-6305-4202-84E5-C0D6BBFB744D}" type="pres">
       <dgm:prSet presAssocID="{8415B0A1-3AD0-4FA6-B276-C1ABD14B0760}" presName="root" presStyleCnt="0"/>
@@ -7407,10 +7638,24 @@
     <dgm:pt modelId="{11571E71-82D1-4495-8936-558D7D06C0C2}" type="pres">
       <dgm:prSet presAssocID="{8415B0A1-3AD0-4FA6-B276-C1ABD14B0760}" presName="rootText" presStyleLbl="node1" presStyleIdx="0" presStyleCnt="1"/>
       <dgm:spPr/>
+      <dgm:t>
+        <a:bodyPr/>
+        <a:lstStyle/>
+        <a:p>
+          <a:endParaRPr lang="fr-FR"/>
+        </a:p>
+      </dgm:t>
     </dgm:pt>
     <dgm:pt modelId="{03498112-23ED-4E0E-8813-1EF4C6A566FC}" type="pres">
       <dgm:prSet presAssocID="{8415B0A1-3AD0-4FA6-B276-C1ABD14B0760}" presName="rootConnector" presStyleLbl="node1" presStyleIdx="0" presStyleCnt="1"/>
       <dgm:spPr/>
+      <dgm:t>
+        <a:bodyPr/>
+        <a:lstStyle/>
+        <a:p>
+          <a:endParaRPr lang="fr-FR"/>
+        </a:p>
+      </dgm:t>
     </dgm:pt>
     <dgm:pt modelId="{5DD9BBF3-7FDB-4373-89D4-53C3AEA6FBF1}" type="pres">
       <dgm:prSet presAssocID="{8415B0A1-3AD0-4FA6-B276-C1ABD14B0760}" presName="childShape" presStyleCnt="0"/>
@@ -7419,6 +7664,13 @@
     <dgm:pt modelId="{462B3132-EAE6-466A-82DB-7C49F8DC218F}" type="pres">
       <dgm:prSet presAssocID="{A13F2AA9-FC41-4EF7-A02E-AEF83D3A4F88}" presName="Name13" presStyleLbl="parChTrans1D2" presStyleIdx="0" presStyleCnt="2"/>
       <dgm:spPr/>
+      <dgm:t>
+        <a:bodyPr/>
+        <a:lstStyle/>
+        <a:p>
+          <a:endParaRPr lang="fr-FR"/>
+        </a:p>
+      </dgm:t>
     </dgm:pt>
     <dgm:pt modelId="{601B4A46-922F-4AEE-8C2C-08D0A4E2DCB7}" type="pres">
       <dgm:prSet presAssocID="{636B5E9B-106D-45A0-B22D-EF3318699A36}" presName="childText" presStyleLbl="bgAcc1" presStyleIdx="0" presStyleCnt="2">
@@ -7427,10 +7679,24 @@
         </dgm:presLayoutVars>
       </dgm:prSet>
       <dgm:spPr/>
+      <dgm:t>
+        <a:bodyPr/>
+        <a:lstStyle/>
+        <a:p>
+          <a:endParaRPr lang="fr-FR"/>
+        </a:p>
+      </dgm:t>
     </dgm:pt>
     <dgm:pt modelId="{81F61F35-DC33-4A3F-8C5D-8F5AA9DA980B}" type="pres">
       <dgm:prSet presAssocID="{E603114C-D9FE-49A7-A7A9-A4A677699CF1}" presName="Name13" presStyleLbl="parChTrans1D2" presStyleIdx="1" presStyleCnt="2"/>
       <dgm:spPr/>
+      <dgm:t>
+        <a:bodyPr/>
+        <a:lstStyle/>
+        <a:p>
+          <a:endParaRPr lang="fr-FR"/>
+        </a:p>
+      </dgm:t>
     </dgm:pt>
     <dgm:pt modelId="{3F065B6E-ABCF-4CB4-BC86-0379C4D4F4A5}" type="pres">
       <dgm:prSet presAssocID="{F65E7FB0-D097-485A-99B1-6D01AB635932}" presName="childText" presStyleLbl="bgAcc1" presStyleIdx="1" presStyleCnt="2">
@@ -7439,6 +7705,13 @@
         </dgm:presLayoutVars>
       </dgm:prSet>
       <dgm:spPr/>
+      <dgm:t>
+        <a:bodyPr/>
+        <a:lstStyle/>
+        <a:p>
+          <a:endParaRPr lang="fr-FR"/>
+        </a:p>
+      </dgm:t>
     </dgm:pt>
   </dgm:ptLst>
   <dgm:cxnLst>
@@ -7563,9 +7836,22 @@
         <a:lstStyle/>
         <a:p>
           <a:r>
-            <a:rPr lang="fr-FR" sz="1000"/>
-            <a:t>Vérification de l'existance de ce fichier sur le serveur ftp</a:t>
+            <a:rPr lang="fr-FR" sz="1000" dirty="0"/>
+            <a:t>Vérification de </a:t>
           </a:r>
+          <a:r>
+            <a:rPr lang="fr-FR" sz="1000" dirty="0" smtClean="0"/>
+            <a:t>l'existence </a:t>
+          </a:r>
+          <a:r>
+            <a:rPr lang="fr-FR" sz="1000" dirty="0"/>
+            <a:t>de ce fichier </a:t>
+          </a:r>
+          <a:r>
+            <a:rPr lang="fr-FR" sz="1000" dirty="0" smtClean="0"/>
+            <a:t>en base de données</a:t>
+          </a:r>
+          <a:endParaRPr lang="fr-FR" sz="1000" dirty="0"/>
         </a:p>
       </dgm:t>
     </dgm:pt>
@@ -7646,6 +7932,13 @@
         </dgm:presLayoutVars>
       </dgm:prSet>
       <dgm:spPr/>
+      <dgm:t>
+        <a:bodyPr/>
+        <a:lstStyle/>
+        <a:p>
+          <a:endParaRPr lang="fr-FR"/>
+        </a:p>
+      </dgm:t>
     </dgm:pt>
     <dgm:pt modelId="{C2017A0A-C2DF-4090-B044-EC27A0AE62D1}" type="pres">
       <dgm:prSet presAssocID="{6B5D9F73-0D14-46A1-AE3B-A0BBCFE61925}" presName="parTxOnlySpace" presStyleCnt="0"/>
@@ -7660,6 +7953,13 @@
         </dgm:presLayoutVars>
       </dgm:prSet>
       <dgm:spPr/>
+      <dgm:t>
+        <a:bodyPr/>
+        <a:lstStyle/>
+        <a:p>
+          <a:endParaRPr lang="fr-FR"/>
+        </a:p>
+      </dgm:t>
     </dgm:pt>
     <dgm:pt modelId="{AE7D3916-6E52-4CE8-A1BA-D45A95B8FE62}" type="pres">
       <dgm:prSet presAssocID="{553662FB-CE38-497D-A1F0-34012C3956E5}" presName="parTxOnlySpace" presStyleCnt="0"/>
@@ -7674,6 +7974,13 @@
         </dgm:presLayoutVars>
       </dgm:prSet>
       <dgm:spPr/>
+      <dgm:t>
+        <a:bodyPr/>
+        <a:lstStyle/>
+        <a:p>
+          <a:endParaRPr lang="fr-FR"/>
+        </a:p>
+      </dgm:t>
     </dgm:pt>
     <dgm:pt modelId="{440D40F8-FF42-446F-842A-694CBA30FA6C}" type="pres">
       <dgm:prSet presAssocID="{0C50F2B5-A99A-4E62-B02C-308510CD02C3}" presName="parTxOnlySpace" presStyleCnt="0"/>
@@ -7688,6 +7995,13 @@
         </dgm:presLayoutVars>
       </dgm:prSet>
       <dgm:spPr/>
+      <dgm:t>
+        <a:bodyPr/>
+        <a:lstStyle/>
+        <a:p>
+          <a:endParaRPr lang="fr-FR"/>
+        </a:p>
+      </dgm:t>
     </dgm:pt>
   </dgm:ptLst>
   <dgm:cxnLst>
@@ -7769,7 +8083,7 @@
         <a:lstStyle/>
         <a:p>
           <a:r>
-            <a:rPr lang="fr-FR" sz="1000"/>
+            <a:rPr lang="fr-FR" sz="1000" dirty="0"/>
             <a:t>Envoie du fichier au serveur ftp</a:t>
           </a:r>
         </a:p>
@@ -7924,6 +8238,13 @@
         </dgm:presLayoutVars>
       </dgm:prSet>
       <dgm:spPr/>
+      <dgm:t>
+        <a:bodyPr/>
+        <a:lstStyle/>
+        <a:p>
+          <a:endParaRPr lang="fr-FR"/>
+        </a:p>
+      </dgm:t>
     </dgm:pt>
     <dgm:pt modelId="{0072FC72-58A1-4354-8DD9-00FEF2B56D7D}" type="pres">
       <dgm:prSet presAssocID="{4151658C-9835-4DAB-86A3-9883BFCFF3C2}" presName="parTxOnlySpace" presStyleCnt="0"/>
@@ -7938,6 +8259,13 @@
         </dgm:presLayoutVars>
       </dgm:prSet>
       <dgm:spPr/>
+      <dgm:t>
+        <a:bodyPr/>
+        <a:lstStyle/>
+        <a:p>
+          <a:endParaRPr lang="fr-FR"/>
+        </a:p>
+      </dgm:t>
     </dgm:pt>
     <dgm:pt modelId="{3CF83603-89F4-4163-B56C-2DD8F4DBEA2B}" type="pres">
       <dgm:prSet presAssocID="{D593F133-95D9-4B4A-B90E-08144C82EF47}" presName="parTxOnlySpace" presStyleCnt="0"/>
@@ -7952,6 +8280,13 @@
         </dgm:presLayoutVars>
       </dgm:prSet>
       <dgm:spPr/>
+      <dgm:t>
+        <a:bodyPr/>
+        <a:lstStyle/>
+        <a:p>
+          <a:endParaRPr lang="fr-FR"/>
+        </a:p>
+      </dgm:t>
     </dgm:pt>
     <dgm:pt modelId="{21A39CB9-6506-45CD-97EC-BC2D9DC99D1C}" type="pres">
       <dgm:prSet presAssocID="{18D226CC-1772-44B3-A6AB-92625ECEE449}" presName="parTxOnlySpace" presStyleCnt="0"/>
@@ -7966,6 +8301,13 @@
         </dgm:presLayoutVars>
       </dgm:prSet>
       <dgm:spPr/>
+      <dgm:t>
+        <a:bodyPr/>
+        <a:lstStyle/>
+        <a:p>
+          <a:endParaRPr lang="fr-FR"/>
+        </a:p>
+      </dgm:t>
     </dgm:pt>
     <dgm:pt modelId="{56F102C3-317B-4E95-9123-86900AD41835}" type="pres">
       <dgm:prSet presAssocID="{EA5CC2B7-2A15-4320-AB98-CC402BF1F703}" presName="parTxOnlySpace" presStyleCnt="0"/>
@@ -7980,6 +8322,13 @@
         </dgm:presLayoutVars>
       </dgm:prSet>
       <dgm:spPr/>
+      <dgm:t>
+        <a:bodyPr/>
+        <a:lstStyle/>
+        <a:p>
+          <a:endParaRPr lang="fr-FR"/>
+        </a:p>
+      </dgm:t>
     </dgm:pt>
   </dgm:ptLst>
   <dgm:cxnLst>
@@ -8156,6 +8505,13 @@
         </dgm:presLayoutVars>
       </dgm:prSet>
       <dgm:spPr/>
+      <dgm:t>
+        <a:bodyPr/>
+        <a:lstStyle/>
+        <a:p>
+          <a:endParaRPr lang="fr-FR"/>
+        </a:p>
+      </dgm:t>
     </dgm:pt>
     <dgm:pt modelId="{A3B980FD-ED95-4E35-8773-E79325206A86}" type="pres">
       <dgm:prSet presAssocID="{8E4BBCB9-35D8-4EBD-A64F-250E95C79F3A}" presName="parTxOnlySpace" presStyleCnt="0"/>
@@ -8170,6 +8526,13 @@
         </dgm:presLayoutVars>
       </dgm:prSet>
       <dgm:spPr/>
+      <dgm:t>
+        <a:bodyPr/>
+        <a:lstStyle/>
+        <a:p>
+          <a:endParaRPr lang="fr-FR"/>
+        </a:p>
+      </dgm:t>
     </dgm:pt>
     <dgm:pt modelId="{3A215040-A905-4B1B-980A-70DC9F558943}" type="pres">
       <dgm:prSet presAssocID="{FE4CE349-A32B-48EC-ADB0-48CB39A8B5B3}" presName="parTxOnlySpace" presStyleCnt="0"/>
@@ -8184,6 +8547,13 @@
         </dgm:presLayoutVars>
       </dgm:prSet>
       <dgm:spPr/>
+      <dgm:t>
+        <a:bodyPr/>
+        <a:lstStyle/>
+        <a:p>
+          <a:endParaRPr lang="fr-FR"/>
+        </a:p>
+      </dgm:t>
     </dgm:pt>
   </dgm:ptLst>
   <dgm:cxnLst>
@@ -8273,7 +8643,7 @@
         </a:bodyPr>
         <a:lstStyle/>
         <a:p>
-          <a:pPr marL="0" lvl="0" indent="0" algn="ctr" defTabSz="488950">
+          <a:pPr lvl="0" algn="ctr" defTabSz="488950">
             <a:lnSpc>
               <a:spcPct val="90000"/>
             </a:lnSpc>
@@ -8283,7 +8653,6 @@
             <a:spcAft>
               <a:spcPct val="35000"/>
             </a:spcAft>
-            <a:buNone/>
           </a:pPr>
           <a:r>
             <a:rPr lang="fr-FR" sz="1100" kern="1200" dirty="0"/>
@@ -8351,7 +8720,7 @@
         </a:bodyPr>
         <a:lstStyle/>
         <a:p>
-          <a:pPr marL="0" lvl="0" indent="0" algn="ctr" defTabSz="488950">
+          <a:pPr lvl="0" algn="ctr" defTabSz="488950">
             <a:lnSpc>
               <a:spcPct val="90000"/>
             </a:lnSpc>
@@ -8361,7 +8730,6 @@
             <a:spcAft>
               <a:spcPct val="35000"/>
             </a:spcAft>
-            <a:buNone/>
           </a:pPr>
           <a:r>
             <a:rPr lang="fr-FR" sz="1100" kern="1200" dirty="0"/>
@@ -8429,7 +8797,7 @@
         </a:bodyPr>
         <a:lstStyle/>
         <a:p>
-          <a:pPr marL="0" lvl="0" indent="0" algn="ctr" defTabSz="488950">
+          <a:pPr lvl="0" algn="ctr" defTabSz="488950">
             <a:lnSpc>
               <a:spcPct val="90000"/>
             </a:lnSpc>
@@ -8439,7 +8807,6 @@
             <a:spcAft>
               <a:spcPct val="35000"/>
             </a:spcAft>
-            <a:buNone/>
           </a:pPr>
           <a:r>
             <a:rPr lang="fr-FR" sz="1100" kern="1200" dirty="0"/>
@@ -8507,7 +8874,7 @@
         </a:bodyPr>
         <a:lstStyle/>
         <a:p>
-          <a:pPr marL="0" lvl="0" indent="0" algn="ctr" defTabSz="488950">
+          <a:pPr lvl="0" algn="ctr" defTabSz="488950">
             <a:lnSpc>
               <a:spcPct val="90000"/>
             </a:lnSpc>
@@ -8517,7 +8884,6 @@
             <a:spcAft>
               <a:spcPct val="35000"/>
             </a:spcAft>
-            <a:buNone/>
           </a:pPr>
           <a:r>
             <a:rPr lang="fr-FR" sz="1100" kern="1200" dirty="0"/>
@@ -8585,7 +8951,7 @@
         </a:bodyPr>
         <a:lstStyle/>
         <a:p>
-          <a:pPr marL="0" lvl="0" indent="0" algn="ctr" defTabSz="488950">
+          <a:pPr lvl="0" algn="ctr" defTabSz="488950">
             <a:lnSpc>
               <a:spcPct val="90000"/>
             </a:lnSpc>
@@ -8595,7 +8961,6 @@
             <a:spcAft>
               <a:spcPct val="35000"/>
             </a:spcAft>
-            <a:buNone/>
           </a:pPr>
           <a:r>
             <a:rPr lang="fr-FR" sz="1100" kern="1200" dirty="0"/>
@@ -8799,7 +9164,7 @@
               <a:spcPct val="15000"/>
             </a:spcAft>
             <a:buFont typeface="Arial" panose="020B0604020202020204" pitchFamily="34" charset="0"/>
-            <a:buChar char="•"/>
+            <a:buChar char="••"/>
           </a:pPr>
           <a:r>
             <a:rPr lang="fr-FR" sz="1400" b="1" i="0" kern="1200" noProof="1">
@@ -8825,7 +9190,7 @@
               <a:spcPct val="15000"/>
             </a:spcAft>
             <a:buFont typeface="Arial" panose="020B0604020202020204" pitchFamily="34" charset="0"/>
-            <a:buChar char="•"/>
+            <a:buChar char="••"/>
           </a:pPr>
           <a:r>
             <a:rPr lang="fr-FR" sz="1400" b="1" i="0" kern="1200" noProof="1">
@@ -8882,7 +9247,7 @@
         </a:bodyPr>
         <a:lstStyle/>
         <a:p>
-          <a:pPr marL="0" lvl="0" indent="0" algn="ctr" defTabSz="914400">
+          <a:pPr lvl="0" algn="ctr" defTabSz="914400">
             <a:lnSpc>
               <a:spcPct val="90000"/>
             </a:lnSpc>
@@ -9088,7 +9453,7 @@
               <a:spcPct val="15000"/>
             </a:spcAft>
             <a:buFont typeface="Arial" panose="020B0604020202020204" pitchFamily="34" charset="0"/>
-            <a:buChar char="•"/>
+            <a:buChar char="••"/>
           </a:pPr>
           <a:r>
             <a:rPr lang="fr-FR" sz="1400" b="1" i="0" kern="1200" noProof="1">
@@ -9114,7 +9479,7 @@
               <a:spcPct val="15000"/>
             </a:spcAft>
             <a:buFont typeface="Arial" panose="020B0604020202020204" pitchFamily="34" charset="0"/>
-            <a:buChar char="•"/>
+            <a:buChar char="••"/>
           </a:pPr>
           <a:r>
             <a:rPr lang="fr-FR" sz="1400" b="1" i="0" kern="1200" noProof="1">
@@ -9171,7 +9536,7 @@
         </a:bodyPr>
         <a:lstStyle/>
         <a:p>
-          <a:pPr marL="0" lvl="0" indent="0" algn="ctr" defTabSz="914400">
+          <a:pPr lvl="0" algn="ctr" defTabSz="914400">
             <a:lnSpc>
               <a:spcPct val="90000"/>
             </a:lnSpc>
@@ -9375,7 +9740,7 @@
               <a:spcPct val="15000"/>
             </a:spcAft>
             <a:buFont typeface="Arial" panose="020B0604020202020204" pitchFamily="34" charset="0"/>
-            <a:buChar char="•"/>
+            <a:buChar char="••"/>
           </a:pPr>
           <a:r>
             <a:rPr lang="fr-FR" sz="1400" b="1" i="0" kern="1200" noProof="1">
@@ -9432,7 +9797,7 @@
         </a:bodyPr>
         <a:lstStyle/>
         <a:p>
-          <a:pPr marL="0" lvl="0" indent="0" algn="ctr" defTabSz="914400">
+          <a:pPr lvl="0" algn="ctr" defTabSz="914400">
             <a:lnSpc>
               <a:spcPct val="90000"/>
             </a:lnSpc>
@@ -9522,7 +9887,7 @@
         </a:bodyPr>
         <a:lstStyle/>
         <a:p>
-          <a:pPr marL="0" lvl="0" indent="0" algn="ctr" defTabSz="444500">
+          <a:pPr lvl="0" algn="ctr" defTabSz="444500">
             <a:lnSpc>
               <a:spcPct val="90000"/>
             </a:lnSpc>
@@ -9532,7 +9897,6 @@
             <a:spcAft>
               <a:spcPct val="35000"/>
             </a:spcAft>
-            <a:buNone/>
           </a:pPr>
           <a:r>
             <a:rPr lang="fr-FR" sz="1000" kern="1200" cap="small" baseline="0" dirty="0"/>
@@ -9638,7 +10002,7 @@
         </a:bodyPr>
         <a:lstStyle/>
         <a:p>
-          <a:pPr marL="0" lvl="0" indent="0" algn="ctr" defTabSz="444500">
+          <a:pPr lvl="0" algn="ctr" defTabSz="444500">
             <a:lnSpc>
               <a:spcPct val="90000"/>
             </a:lnSpc>
@@ -9648,7 +10012,6 @@
             <a:spcAft>
               <a:spcPct val="35000"/>
             </a:spcAft>
-            <a:buNone/>
           </a:pPr>
           <a:r>
             <a:rPr lang="fr-FR" sz="1000" kern="1200" cap="small" baseline="0" dirty="0"/>
@@ -9754,7 +10117,7 @@
         </a:bodyPr>
         <a:lstStyle/>
         <a:p>
-          <a:pPr marL="0" lvl="0" indent="0" algn="ctr" defTabSz="444500">
+          <a:pPr lvl="0" algn="ctr" defTabSz="444500">
             <a:lnSpc>
               <a:spcPct val="90000"/>
             </a:lnSpc>
@@ -9764,7 +10127,6 @@
             <a:spcAft>
               <a:spcPct val="35000"/>
             </a:spcAft>
-            <a:buNone/>
           </a:pPr>
           <a:r>
             <a:rPr lang="fr-FR" sz="1000" kern="1200" cap="small" baseline="0" dirty="0"/>
@@ -9868,7 +10230,7 @@
         </a:bodyPr>
         <a:lstStyle/>
         <a:p>
-          <a:pPr marL="0" lvl="0" indent="0" algn="ctr" defTabSz="444500">
+          <a:pPr lvl="0" algn="ctr" defTabSz="444500">
             <a:lnSpc>
               <a:spcPct val="90000"/>
             </a:lnSpc>
@@ -9878,7 +10240,6 @@
             <a:spcAft>
               <a:spcPct val="35000"/>
             </a:spcAft>
-            <a:buNone/>
           </a:pPr>
           <a:r>
             <a:rPr lang="fr-FR" sz="1000" kern="1200" cap="small" baseline="0" dirty="0"/>
@@ -9987,7 +10348,7 @@
         </a:bodyPr>
         <a:lstStyle/>
         <a:p>
-          <a:pPr marL="0" lvl="0" indent="0" algn="ctr" defTabSz="444500">
+          <a:pPr lvl="0" algn="ctr" defTabSz="444500">
             <a:lnSpc>
               <a:spcPct val="90000"/>
             </a:lnSpc>
@@ -9997,7 +10358,6 @@
             <a:spcAft>
               <a:spcPct val="35000"/>
             </a:spcAft>
-            <a:buNone/>
           </a:pPr>
           <a:r>
             <a:rPr lang="fr-FR" sz="1000" kern="1200" cap="small" baseline="0" dirty="0"/>
@@ -10103,7 +10463,7 @@
         </a:bodyPr>
         <a:lstStyle/>
         <a:p>
-          <a:pPr marL="0" lvl="0" indent="0" algn="ctr" defTabSz="444500">
+          <a:pPr lvl="0" algn="ctr" defTabSz="444500">
             <a:lnSpc>
               <a:spcPct val="90000"/>
             </a:lnSpc>
@@ -10113,7 +10473,6 @@
             <a:spcAft>
               <a:spcPct val="35000"/>
             </a:spcAft>
-            <a:buNone/>
           </a:pPr>
           <a:r>
             <a:rPr lang="fr-FR" sz="1000" kern="1200" cap="small" baseline="0" dirty="0"/>
@@ -10219,7 +10578,7 @@
         </a:bodyPr>
         <a:lstStyle/>
         <a:p>
-          <a:pPr marL="0" lvl="0" indent="0" algn="ctr" defTabSz="444500">
+          <a:pPr lvl="0" algn="ctr" defTabSz="444500">
             <a:lnSpc>
               <a:spcPct val="90000"/>
             </a:lnSpc>
@@ -10229,7 +10588,6 @@
             <a:spcAft>
               <a:spcPct val="35000"/>
             </a:spcAft>
-            <a:buNone/>
           </a:pPr>
           <a:r>
             <a:rPr lang="fr-FR" sz="1000" kern="1200" cap="small" baseline="0" dirty="0"/>
@@ -10333,7 +10691,7 @@
         </a:bodyPr>
         <a:lstStyle/>
         <a:p>
-          <a:pPr marL="0" lvl="0" indent="0" algn="ctr" defTabSz="444500">
+          <a:pPr lvl="0" algn="ctr" defTabSz="444500">
             <a:lnSpc>
               <a:spcPct val="90000"/>
             </a:lnSpc>
@@ -10343,7 +10701,6 @@
             <a:spcAft>
               <a:spcPct val="35000"/>
             </a:spcAft>
-            <a:buNone/>
           </a:pPr>
           <a:r>
             <a:rPr lang="fr-FR" sz="1000" kern="1200" cap="small" baseline="0" dirty="0"/>
@@ -10447,7 +10804,7 @@
         </a:bodyPr>
         <a:lstStyle/>
         <a:p>
-          <a:pPr marL="0" lvl="0" indent="0" algn="ctr" defTabSz="444500">
+          <a:pPr lvl="0" algn="ctr" defTabSz="444500">
             <a:lnSpc>
               <a:spcPct val="90000"/>
             </a:lnSpc>
@@ -10457,7 +10814,6 @@
             <a:spcAft>
               <a:spcPct val="35000"/>
             </a:spcAft>
-            <a:buNone/>
           </a:pPr>
           <a:r>
             <a:rPr lang="fr-FR" sz="1000" kern="1200" cap="small" baseline="0" dirty="0"/>
@@ -10566,7 +10922,7 @@
         </a:bodyPr>
         <a:lstStyle/>
         <a:p>
-          <a:pPr marL="0" lvl="0" indent="0" algn="ctr" defTabSz="444500">
+          <a:pPr lvl="0" algn="ctr" defTabSz="444500">
             <a:lnSpc>
               <a:spcPct val="90000"/>
             </a:lnSpc>
@@ -10576,7 +10932,6 @@
             <a:spcAft>
               <a:spcPct val="35000"/>
             </a:spcAft>
-            <a:buNone/>
           </a:pPr>
           <a:r>
             <a:rPr lang="fr-FR" sz="1000" kern="1200" cap="small" baseline="0" dirty="0"/>
@@ -10657,7 +11012,7 @@
         </a:bodyPr>
         <a:lstStyle/>
         <a:p>
-          <a:pPr marL="0" lvl="0" indent="0" algn="ctr" defTabSz="889000">
+          <a:pPr lvl="0" algn="ctr" defTabSz="889000">
             <a:lnSpc>
               <a:spcPct val="90000"/>
             </a:lnSpc>
@@ -10667,7 +11022,6 @@
             <a:spcAft>
               <a:spcPct val="35000"/>
             </a:spcAft>
-            <a:buNone/>
           </a:pPr>
           <a:r>
             <a:rPr lang="fr-FR" sz="2000" kern="1200"/>
@@ -10793,7 +11147,7 @@
         </a:bodyPr>
         <a:lstStyle/>
         <a:p>
-          <a:pPr marL="0" lvl="0" indent="0" algn="l" defTabSz="622300">
+          <a:pPr lvl="0" algn="l" defTabSz="622300">
             <a:lnSpc>
               <a:spcPct val="90000"/>
             </a:lnSpc>
@@ -10803,7 +11157,6 @@
             <a:spcAft>
               <a:spcPct val="35000"/>
             </a:spcAft>
-            <a:buNone/>
           </a:pPr>
           <a:r>
             <a:rPr lang="fr-FR" sz="1400" kern="1200" dirty="0" err="1"/>
@@ -10822,7 +11175,7 @@
             <a:spcAft>
               <a:spcPct val="15000"/>
             </a:spcAft>
-            <a:buChar char="•"/>
+            <a:buChar char="••"/>
           </a:pPr>
           <a:r>
             <a:rPr lang="fr-FR" sz="1100" kern="1200" dirty="0"/>
@@ -10953,7 +11306,7 @@
         </a:bodyPr>
         <a:lstStyle/>
         <a:p>
-          <a:pPr marL="0" lvl="0" indent="0" algn="l" defTabSz="622300">
+          <a:pPr lvl="0" algn="l" defTabSz="622300">
             <a:lnSpc>
               <a:spcPct val="90000"/>
             </a:lnSpc>
@@ -10963,7 +11316,6 @@
             <a:spcAft>
               <a:spcPct val="35000"/>
             </a:spcAft>
-            <a:buNone/>
           </a:pPr>
           <a:r>
             <a:rPr lang="fr-FR" sz="1400" kern="1200"/>
@@ -10981,7 +11333,7 @@
             <a:spcAft>
               <a:spcPct val="15000"/>
             </a:spcAft>
-            <a:buChar char="•"/>
+            <a:buChar char="••"/>
           </a:pPr>
           <a:r>
             <a:rPr lang="fr-FR" sz="1100" kern="1200"/>
@@ -11060,7 +11412,7 @@
         </a:bodyPr>
         <a:lstStyle/>
         <a:p>
-          <a:pPr marL="0" lvl="0" indent="0" algn="ctr" defTabSz="444500">
+          <a:pPr lvl="0" algn="ctr" defTabSz="444500">
             <a:lnSpc>
               <a:spcPct val="90000"/>
             </a:lnSpc>
@@ -11070,7 +11422,6 @@
             <a:spcAft>
               <a:spcPct val="35000"/>
             </a:spcAft>
-            <a:buNone/>
           </a:pPr>
           <a:r>
             <a:rPr lang="fr-FR" sz="1000" kern="1200"/>
@@ -11137,7 +11488,7 @@
         </a:bodyPr>
         <a:lstStyle/>
         <a:p>
-          <a:pPr marL="0" lvl="0" indent="0" algn="ctr" defTabSz="444500">
+          <a:pPr lvl="0" algn="ctr" defTabSz="444500">
             <a:lnSpc>
               <a:spcPct val="90000"/>
             </a:lnSpc>
@@ -11147,7 +11498,6 @@
             <a:spcAft>
               <a:spcPct val="35000"/>
             </a:spcAft>
-            <a:buNone/>
           </a:pPr>
           <a:r>
             <a:rPr lang="fr-FR" sz="1000" kern="1200"/>
@@ -11214,7 +11564,7 @@
         </a:bodyPr>
         <a:lstStyle/>
         <a:p>
-          <a:pPr marL="0" lvl="0" indent="0" algn="ctr" defTabSz="444500">
+          <a:pPr lvl="0" algn="ctr" defTabSz="444500">
             <a:lnSpc>
               <a:spcPct val="90000"/>
             </a:lnSpc>
@@ -11224,7 +11574,6 @@
             <a:spcAft>
               <a:spcPct val="35000"/>
             </a:spcAft>
-            <a:buNone/>
           </a:pPr>
           <a:r>
             <a:rPr lang="fr-FR" sz="1000" kern="1200"/>
@@ -11291,7 +11640,7 @@
         </a:bodyPr>
         <a:lstStyle/>
         <a:p>
-          <a:pPr marL="0" lvl="0" indent="0" algn="ctr" defTabSz="444500">
+          <a:pPr lvl="0" algn="ctr" defTabSz="444500">
             <a:lnSpc>
               <a:spcPct val="90000"/>
             </a:lnSpc>
@@ -11301,12 +11650,24 @@
             <a:spcAft>
               <a:spcPct val="35000"/>
             </a:spcAft>
-            <a:buNone/>
           </a:pPr>
           <a:r>
-            <a:rPr lang="fr-FR" sz="1000" kern="1200"/>
-            <a:t>Vérification de l'existance de ce fichier sur le serveur ftp</a:t>
+            <a:rPr lang="fr-FR" sz="1000" kern="1200" dirty="0"/>
+            <a:t>Vérification de </a:t>
           </a:r>
+          <a:r>
+            <a:rPr lang="fr-FR" sz="1000" kern="1200" dirty="0" smtClean="0"/>
+            <a:t>l'existence </a:t>
+          </a:r>
+          <a:r>
+            <a:rPr lang="fr-FR" sz="1000" kern="1200" dirty="0"/>
+            <a:t>de ce fichier </a:t>
+          </a:r>
+          <a:r>
+            <a:rPr lang="fr-FR" sz="1000" kern="1200" dirty="0" smtClean="0"/>
+            <a:t>en base de données</a:t>
+          </a:r>
+          <a:endParaRPr lang="fr-FR" sz="1000" kern="1200" dirty="0"/>
         </a:p>
       </dsp:txBody>
       <dsp:txXfrm>
@@ -11380,7 +11741,7 @@
         </a:bodyPr>
         <a:lstStyle/>
         <a:p>
-          <a:pPr marL="0" lvl="0" indent="0" algn="ctr" defTabSz="444500">
+          <a:pPr lvl="0" algn="ctr" defTabSz="444500">
             <a:lnSpc>
               <a:spcPct val="90000"/>
             </a:lnSpc>
@@ -11390,7 +11751,6 @@
             <a:spcAft>
               <a:spcPct val="35000"/>
             </a:spcAft>
-            <a:buNone/>
           </a:pPr>
           <a:r>
             <a:rPr lang="fr-FR" sz="1000" kern="1200"/>
@@ -11457,7 +11817,7 @@
         </a:bodyPr>
         <a:lstStyle/>
         <a:p>
-          <a:pPr marL="0" lvl="0" indent="0" algn="ctr" defTabSz="444500">
+          <a:pPr lvl="0" algn="ctr" defTabSz="444500">
             <a:lnSpc>
               <a:spcPct val="90000"/>
             </a:lnSpc>
@@ -11467,7 +11827,6 @@
             <a:spcAft>
               <a:spcPct val="35000"/>
             </a:spcAft>
-            <a:buNone/>
           </a:pPr>
           <a:r>
             <a:rPr lang="fr-FR" sz="1000" kern="1200"/>
@@ -11534,7 +11893,7 @@
         </a:bodyPr>
         <a:lstStyle/>
         <a:p>
-          <a:pPr marL="0" lvl="0" indent="0" algn="ctr" defTabSz="444500">
+          <a:pPr lvl="0" algn="ctr" defTabSz="444500">
             <a:lnSpc>
               <a:spcPct val="90000"/>
             </a:lnSpc>
@@ -11544,7 +11903,6 @@
             <a:spcAft>
               <a:spcPct val="35000"/>
             </a:spcAft>
-            <a:buNone/>
           </a:pPr>
           <a:r>
             <a:rPr lang="fr-FR" sz="1000" kern="1200"/>
@@ -11611,7 +11969,7 @@
         </a:bodyPr>
         <a:lstStyle/>
         <a:p>
-          <a:pPr marL="0" lvl="0" indent="0" algn="ctr" defTabSz="444500">
+          <a:pPr lvl="0" algn="ctr" defTabSz="444500">
             <a:lnSpc>
               <a:spcPct val="90000"/>
             </a:lnSpc>
@@ -11621,7 +11979,6 @@
             <a:spcAft>
               <a:spcPct val="35000"/>
             </a:spcAft>
-            <a:buNone/>
           </a:pPr>
           <a:r>
             <a:rPr lang="fr-FR" sz="1000" kern="1200"/>
@@ -11688,7 +12045,7 @@
         </a:bodyPr>
         <a:lstStyle/>
         <a:p>
-          <a:pPr marL="0" lvl="0" indent="0" algn="ctr" defTabSz="444500">
+          <a:pPr lvl="0" algn="ctr" defTabSz="444500">
             <a:lnSpc>
               <a:spcPct val="90000"/>
             </a:lnSpc>
@@ -11698,10 +12055,9 @@
             <a:spcAft>
               <a:spcPct val="35000"/>
             </a:spcAft>
-            <a:buNone/>
           </a:pPr>
           <a:r>
-            <a:rPr lang="fr-FR" sz="1000" kern="1200"/>
+            <a:rPr lang="fr-FR" sz="1000" kern="1200" dirty="0"/>
             <a:t>Envoie du fichier au serveur ftp</a:t>
           </a:r>
         </a:p>
@@ -11777,7 +12133,7 @@
         </a:bodyPr>
         <a:lstStyle/>
         <a:p>
-          <a:pPr marL="0" lvl="0" indent="0" algn="ctr" defTabSz="488950">
+          <a:pPr lvl="0" algn="ctr" defTabSz="488950">
             <a:lnSpc>
               <a:spcPct val="90000"/>
             </a:lnSpc>
@@ -11787,7 +12143,6 @@
             <a:spcAft>
               <a:spcPct val="35000"/>
             </a:spcAft>
-            <a:buNone/>
           </a:pPr>
           <a:r>
             <a:rPr lang="fr-FR" sz="1100" kern="1200"/>
@@ -11854,7 +12209,7 @@
         </a:bodyPr>
         <a:lstStyle/>
         <a:p>
-          <a:pPr marL="0" lvl="0" indent="0" algn="ctr" defTabSz="488950">
+          <a:pPr lvl="0" algn="ctr" defTabSz="488950">
             <a:lnSpc>
               <a:spcPct val="90000"/>
             </a:lnSpc>
@@ -11864,7 +12219,6 @@
             <a:spcAft>
               <a:spcPct val="35000"/>
             </a:spcAft>
-            <a:buNone/>
           </a:pPr>
           <a:r>
             <a:rPr lang="fr-FR" sz="1100" kern="1200" dirty="0"/>
@@ -11939,7 +12293,7 @@
         </a:bodyPr>
         <a:lstStyle/>
         <a:p>
-          <a:pPr marL="0" lvl="0" indent="0" algn="ctr" defTabSz="488950">
+          <a:pPr lvl="0" algn="ctr" defTabSz="488950">
             <a:lnSpc>
               <a:spcPct val="90000"/>
             </a:lnSpc>
@@ -11949,7 +12303,6 @@
             <a:spcAft>
               <a:spcPct val="35000"/>
             </a:spcAft>
-            <a:buNone/>
           </a:pPr>
           <a:r>
             <a:rPr lang="fr-FR" sz="1100" kern="1200"/>
@@ -26629,6 +26982,13 @@
   <p:clrMapOvr>
     <a:masterClrMapping/>
   </p:clrMapOvr>
+  <p:timing>
+    <p:tnLst>
+      <p:par>
+        <p:cTn id="1" dur="indefinite" restart="never" nodeType="tmRoot"/>
+      </p:par>
+    </p:tnLst>
+  </p:timing>
 </p:sld>
 </file>
 
@@ -26927,6 +27287,13 @@
   <p:clrMapOvr>
     <a:masterClrMapping/>
   </p:clrMapOvr>
+  <p:timing>
+    <p:tnLst>
+      <p:par>
+        <p:cTn id="1" dur="indefinite" restart="never" nodeType="tmRoot"/>
+      </p:par>
+    </p:tnLst>
+  </p:timing>
 </p:sld>
 </file>
 
@@ -26999,6 +27366,14 @@
                 </a:solidFill>
               </a:rPr>
             </a:br>
+            <a:r>
+              <a:rPr lang="fr-FR" sz="2000" dirty="0">
+                <a:solidFill>
+                  <a:srgbClr val="81B000"/>
+                </a:solidFill>
+              </a:rPr>
+              <a:t/>
+            </a:r>
             <a:br>
               <a:rPr lang="fr-FR" sz="2000" dirty="0">
                 <a:solidFill>
@@ -27022,6 +27397,14 @@
                 <a:hlinkClick r:id="rId2"/>
               </a:rPr>
               <a:t>La documentation</a:t>
+            </a:r>
+            <a:r>
+              <a:rPr lang="fr-FR" sz="2000" dirty="0">
+                <a:solidFill>
+                  <a:srgbClr val="81B000"/>
+                </a:solidFill>
+              </a:rPr>
+              <a:t/>
             </a:r>
             <a:br>
               <a:rPr lang="fr-FR" sz="2000" dirty="0">
@@ -27055,6 +27438,14 @@
                 <a:hlinkClick r:id="rId4" action="ppaction://hlinkfile"/>
               </a:rPr>
               <a:t>Le code source</a:t>
+            </a:r>
+            <a:r>
+              <a:rPr lang="fr-FR" sz="2000" dirty="0">
+                <a:solidFill>
+                  <a:srgbClr val="81B000"/>
+                </a:solidFill>
+              </a:rPr>
+              <a:t/>
             </a:r>
             <a:br>
               <a:rPr lang="fr-FR" sz="2000" dirty="0">
@@ -27092,6 +27483,13 @@
   <p:clrMapOvr>
     <a:masterClrMapping/>
   </p:clrMapOvr>
+  <p:timing>
+    <p:tnLst>
+      <p:par>
+        <p:cTn id="1" dur="indefinite" restart="never" nodeType="tmRoot"/>
+      </p:par>
+    </p:tnLst>
+  </p:timing>
 </p:sld>
 </file>
 
@@ -27274,6 +27672,13 @@
       </p:transition>
     </mc:Fallback>
   </mc:AlternateContent>
+  <p:timing>
+    <p:tnLst>
+      <p:par>
+        <p:cTn id="1" dur="indefinite" restart="never" nodeType="tmRoot"/>
+      </p:par>
+    </p:tnLst>
+  </p:timing>
 </p:sld>
 </file>
 
@@ -27375,6 +27780,13 @@
   <p:clrMapOvr>
     <a:masterClrMapping/>
   </p:clrMapOvr>
+  <p:timing>
+    <p:tnLst>
+      <p:par>
+        <p:cTn id="1" dur="indefinite" restart="never" nodeType="tmRoot"/>
+      </p:par>
+    </p:tnLst>
+  </p:timing>
 </p:sld>
 </file>
 
@@ -27529,6 +27941,13 @@
   <p:clrMapOvr>
     <a:masterClrMapping/>
   </p:clrMapOvr>
+  <p:timing>
+    <p:tnLst>
+      <p:par>
+        <p:cTn id="1" dur="indefinite" restart="never" nodeType="tmRoot"/>
+      </p:par>
+    </p:tnLst>
+  </p:timing>
 </p:sld>
 </file>
 
@@ -27630,6 +28049,13 @@
   <p:clrMapOvr>
     <a:masterClrMapping/>
   </p:clrMapOvr>
+  <p:timing>
+    <p:tnLst>
+      <p:par>
+        <p:cTn id="1" dur="indefinite" restart="never" nodeType="tmRoot"/>
+      </p:par>
+    </p:tnLst>
+  </p:timing>
 </p:sld>
 </file>
 
@@ -27786,7 +28212,7 @@
           <p:nvPr>
             <p:extLst>
               <p:ext uri="{D42A27DB-BD31-4B8C-83A1-F6EECF244321}">
-                <p14:modId xmlns:p14="http://schemas.microsoft.com/office/powerpoint/2010/main" val="2878056738"/>
+                <p14:modId xmlns:p14="http://schemas.microsoft.com/office/powerpoint/2010/main" val="2798687223"/>
               </p:ext>
             </p:extLst>
           </p:nvPr>
@@ -27833,6 +28259,13 @@
   <p:clrMapOvr>
     <a:masterClrMapping/>
   </p:clrMapOvr>
+  <p:timing>
+    <p:tnLst>
+      <p:par>
+        <p:cTn id="1" dur="indefinite" restart="never" nodeType="tmRoot"/>
+      </p:par>
+    </p:tnLst>
+  </p:timing>
 </p:sld>
 </file>
 
@@ -28097,6 +28530,13 @@
   <p:clrMapOvr>
     <a:masterClrMapping/>
   </p:clrMapOvr>
+  <p:timing>
+    <p:tnLst>
+      <p:par>
+        <p:cTn id="1" dur="indefinite" restart="never" nodeType="tmRoot"/>
+      </p:par>
+    </p:tnLst>
+  </p:timing>
 </p:sld>
 </file>
 
@@ -28389,6 +28829,13 @@
   <p:clrMapOvr>
     <a:masterClrMapping/>
   </p:clrMapOvr>
+  <p:timing>
+    <p:tnLst>
+      <p:par>
+        <p:cTn id="1" dur="indefinite" restart="never" nodeType="tmRoot"/>
+      </p:par>
+    </p:tnLst>
+  </p:timing>
 </p:sld>
 </file>
 
@@ -29118,6 +29565,13 @@
   <p:clrMapOvr>
     <a:masterClrMapping/>
   </p:clrMapOvr>
+  <p:timing>
+    <p:tnLst>
+      <p:par>
+        <p:cTn id="1" dur="indefinite" restart="never" nodeType="tmRoot"/>
+      </p:par>
+    </p:tnLst>
+  </p:timing>
 </p:sld>
 </file>
 
